--- a/ppt/IOCPSever.pptx
+++ b/ppt/IOCPSever.pptx
@@ -35,6 +35,27 @@
     <p:sldId id="285" r:id="rId29"/>
     <p:sldId id="287" r:id="rId30"/>
     <p:sldId id="286" r:id="rId31"/>
+    <p:sldId id="289" r:id="rId32"/>
+    <p:sldId id="288" r:id="rId33"/>
+    <p:sldId id="290" r:id="rId34"/>
+    <p:sldId id="291" r:id="rId35"/>
+    <p:sldId id="292" r:id="rId36"/>
+    <p:sldId id="293" r:id="rId37"/>
+    <p:sldId id="294" r:id="rId38"/>
+    <p:sldId id="295" r:id="rId39"/>
+    <p:sldId id="296" r:id="rId40"/>
+    <p:sldId id="297" r:id="rId41"/>
+    <p:sldId id="298" r:id="rId42"/>
+    <p:sldId id="299" r:id="rId43"/>
+    <p:sldId id="300" r:id="rId44"/>
+    <p:sldId id="301" r:id="rId45"/>
+    <p:sldId id="302" r:id="rId46"/>
+    <p:sldId id="303" r:id="rId47"/>
+    <p:sldId id="304" r:id="rId48"/>
+    <p:sldId id="305" r:id="rId49"/>
+    <p:sldId id="306" r:id="rId50"/>
+    <p:sldId id="307" r:id="rId51"/>
+    <p:sldId id="308" r:id="rId52"/>
   </p:sldIdLst>
   <p:sldSz cx="12192000" cy="6858000"/>
   <p:notesSz cx="6858000" cy="9144000"/>
@@ -288,7 +309,7 @@
           <a:p>
             <a:fld id="{DA9A4DED-25B1-416B-8CD7-2C5C10EE6933}" type="datetimeFigureOut">
               <a:rPr lang="ko-KR" altLang="en-US" smtClean="0"/>
-              <a:t>2024-01-19</a:t>
+              <a:t>2024-10-20</a:t>
             </a:fld>
             <a:endParaRPr lang="ko-KR" altLang="en-US"/>
           </a:p>
@@ -486,7 +507,7 @@
           <a:p>
             <a:fld id="{DA9A4DED-25B1-416B-8CD7-2C5C10EE6933}" type="datetimeFigureOut">
               <a:rPr lang="ko-KR" altLang="en-US" smtClean="0"/>
-              <a:t>2024-01-19</a:t>
+              <a:t>2024-10-20</a:t>
             </a:fld>
             <a:endParaRPr lang="ko-KR" altLang="en-US"/>
           </a:p>
@@ -694,7 +715,7 @@
           <a:p>
             <a:fld id="{DA9A4DED-25B1-416B-8CD7-2C5C10EE6933}" type="datetimeFigureOut">
               <a:rPr lang="ko-KR" altLang="en-US" smtClean="0"/>
-              <a:t>2024-01-19</a:t>
+              <a:t>2024-10-20</a:t>
             </a:fld>
             <a:endParaRPr lang="ko-KR" altLang="en-US"/>
           </a:p>
@@ -892,7 +913,7 @@
           <a:p>
             <a:fld id="{DA9A4DED-25B1-416B-8CD7-2C5C10EE6933}" type="datetimeFigureOut">
               <a:rPr lang="ko-KR" altLang="en-US" smtClean="0"/>
-              <a:t>2024-01-19</a:t>
+              <a:t>2024-10-20</a:t>
             </a:fld>
             <a:endParaRPr lang="ko-KR" altLang="en-US"/>
           </a:p>
@@ -1167,7 +1188,7 @@
           <a:p>
             <a:fld id="{DA9A4DED-25B1-416B-8CD7-2C5C10EE6933}" type="datetimeFigureOut">
               <a:rPr lang="ko-KR" altLang="en-US" smtClean="0"/>
-              <a:t>2024-01-19</a:t>
+              <a:t>2024-10-20</a:t>
             </a:fld>
             <a:endParaRPr lang="ko-KR" altLang="en-US"/>
           </a:p>
@@ -1432,7 +1453,7 @@
           <a:p>
             <a:fld id="{DA9A4DED-25B1-416B-8CD7-2C5C10EE6933}" type="datetimeFigureOut">
               <a:rPr lang="ko-KR" altLang="en-US" smtClean="0"/>
-              <a:t>2024-01-19</a:t>
+              <a:t>2024-10-20</a:t>
             </a:fld>
             <a:endParaRPr lang="ko-KR" altLang="en-US"/>
           </a:p>
@@ -1844,7 +1865,7 @@
           <a:p>
             <a:fld id="{DA9A4DED-25B1-416B-8CD7-2C5C10EE6933}" type="datetimeFigureOut">
               <a:rPr lang="ko-KR" altLang="en-US" smtClean="0"/>
-              <a:t>2024-01-19</a:t>
+              <a:t>2024-10-20</a:t>
             </a:fld>
             <a:endParaRPr lang="ko-KR" altLang="en-US"/>
           </a:p>
@@ -1985,7 +2006,7 @@
           <a:p>
             <a:fld id="{DA9A4DED-25B1-416B-8CD7-2C5C10EE6933}" type="datetimeFigureOut">
               <a:rPr lang="ko-KR" altLang="en-US" smtClean="0"/>
-              <a:t>2024-01-19</a:t>
+              <a:t>2024-10-20</a:t>
             </a:fld>
             <a:endParaRPr lang="ko-KR" altLang="en-US"/>
           </a:p>
@@ -2098,7 +2119,7 @@
           <a:p>
             <a:fld id="{DA9A4DED-25B1-416B-8CD7-2C5C10EE6933}" type="datetimeFigureOut">
               <a:rPr lang="ko-KR" altLang="en-US" smtClean="0"/>
-              <a:t>2024-01-19</a:t>
+              <a:t>2024-10-20</a:t>
             </a:fld>
             <a:endParaRPr lang="ko-KR" altLang="en-US"/>
           </a:p>
@@ -2409,7 +2430,7 @@
           <a:p>
             <a:fld id="{DA9A4DED-25B1-416B-8CD7-2C5C10EE6933}" type="datetimeFigureOut">
               <a:rPr lang="ko-KR" altLang="en-US" smtClean="0"/>
-              <a:t>2024-01-19</a:t>
+              <a:t>2024-10-20</a:t>
             </a:fld>
             <a:endParaRPr lang="ko-KR" altLang="en-US"/>
           </a:p>
@@ -2697,7 +2718,7 @@
           <a:p>
             <a:fld id="{DA9A4DED-25B1-416B-8CD7-2C5C10EE6933}" type="datetimeFigureOut">
               <a:rPr lang="ko-KR" altLang="en-US" smtClean="0"/>
-              <a:t>2024-01-19</a:t>
+              <a:t>2024-10-20</a:t>
             </a:fld>
             <a:endParaRPr lang="ko-KR" altLang="en-US"/>
           </a:p>
@@ -2938,7 +2959,7 @@
           <a:p>
             <a:fld id="{DA9A4DED-25B1-416B-8CD7-2C5C10EE6933}" type="datetimeFigureOut">
               <a:rPr lang="ko-KR" altLang="en-US" smtClean="0"/>
-              <a:t>2024-01-19</a:t>
+              <a:t>2024-10-20</a:t>
             </a:fld>
             <a:endParaRPr lang="ko-KR" altLang="en-US"/>
           </a:p>
@@ -13183,6 +13204,1066 @@
 </p:sld>
 </file>
 
+<file path=ppt/slides/slide31.xml><?xml version="1.0" encoding="utf-8"?>
+<p:sld xmlns:a="http://schemas.openxmlformats.org/drawingml/2006/main" xmlns:r="http://schemas.openxmlformats.org/officeDocument/2006/relationships" xmlns:p="http://schemas.openxmlformats.org/presentationml/2006/main">
+  <p:cSld>
+    <p:spTree>
+      <p:nvGrpSpPr>
+        <p:cNvPr id="1" name="">
+          <a:extLst>
+            <a:ext uri="{FF2B5EF4-FFF2-40B4-BE49-F238E27FC236}">
+              <a16:creationId xmlns:a16="http://schemas.microsoft.com/office/drawing/2014/main" id="{D1463F62-DAD0-B5FF-2D1C-0A912CA2AC24}"/>
+            </a:ext>
+          </a:extLst>
+        </p:cNvPr>
+        <p:cNvGrpSpPr/>
+        <p:nvPr/>
+      </p:nvGrpSpPr>
+      <p:grpSpPr>
+        <a:xfrm>
+          <a:off x="0" y="0"/>
+          <a:ext cx="0" cy="0"/>
+          <a:chOff x="0" y="0"/>
+          <a:chExt cx="0" cy="0"/>
+        </a:xfrm>
+      </p:grpSpPr>
+      <p:sp>
+        <p:nvSpPr>
+          <p:cNvPr id="4" name="제목 1">
+            <a:extLst>
+              <a:ext uri="{FF2B5EF4-FFF2-40B4-BE49-F238E27FC236}">
+                <a16:creationId xmlns:a16="http://schemas.microsoft.com/office/drawing/2014/main" id="{C58CBE47-6B81-18ED-53B4-84EB5CA06D3D}"/>
+              </a:ext>
+            </a:extLst>
+          </p:cNvPr>
+          <p:cNvSpPr>
+            <a:spLocks noGrp="1"/>
+          </p:cNvSpPr>
+          <p:nvPr>
+            <p:ph type="title"/>
+          </p:nvPr>
+        </p:nvSpPr>
+        <p:spPr>
+          <a:xfrm>
+            <a:off x="213360" y="410845"/>
+            <a:ext cx="10515600" cy="777875"/>
+          </a:xfrm>
+        </p:spPr>
+        <p:txBody>
+          <a:bodyPr>
+            <a:normAutofit/>
+          </a:bodyPr>
+          <a:lstStyle/>
+          <a:p>
+            <a:r>
+              <a:rPr lang="en-US" altLang="ko-KR" dirty="0" err="1"/>
+              <a:t>GameRoom</a:t>
+            </a:r>
+            <a:endParaRPr lang="ko-KR" altLang="en-US" dirty="0"/>
+          </a:p>
+        </p:txBody>
+      </p:sp>
+      <p:pic>
+        <p:nvPicPr>
+          <p:cNvPr id="16" name="그림 15">
+            <a:extLst>
+              <a:ext uri="{FF2B5EF4-FFF2-40B4-BE49-F238E27FC236}">
+                <a16:creationId xmlns:a16="http://schemas.microsoft.com/office/drawing/2014/main" id="{44DEBD1A-2BE3-9B4F-9E82-B5BEF6B7633C}"/>
+              </a:ext>
+            </a:extLst>
+          </p:cNvPr>
+          <p:cNvPicPr>
+            <a:picLocks noChangeAspect="1"/>
+          </p:cNvPicPr>
+          <p:nvPr/>
+        </p:nvPicPr>
+        <p:blipFill>
+          <a:blip r:embed="rId2"/>
+          <a:stretch>
+            <a:fillRect/>
+          </a:stretch>
+        </p:blipFill>
+        <p:spPr>
+          <a:xfrm>
+            <a:off x="447579" y="1188720"/>
+            <a:ext cx="10281381" cy="5503244"/>
+          </a:xfrm>
+          <a:prstGeom prst="rect">
+            <a:avLst/>
+          </a:prstGeom>
+        </p:spPr>
+      </p:pic>
+    </p:spTree>
+    <p:extLst>
+      <p:ext uri="{BB962C8B-B14F-4D97-AF65-F5344CB8AC3E}">
+        <p14:creationId xmlns:p14="http://schemas.microsoft.com/office/powerpoint/2010/main" val="4203178641"/>
+      </p:ext>
+    </p:extLst>
+  </p:cSld>
+  <p:clrMapOvr>
+    <a:masterClrMapping/>
+  </p:clrMapOvr>
+</p:sld>
+</file>
+
+<file path=ppt/slides/slide32.xml><?xml version="1.0" encoding="utf-8"?>
+<p:sld xmlns:a="http://schemas.openxmlformats.org/drawingml/2006/main" xmlns:r="http://schemas.openxmlformats.org/officeDocument/2006/relationships" xmlns:p="http://schemas.openxmlformats.org/presentationml/2006/main">
+  <p:cSld>
+    <p:spTree>
+      <p:nvGrpSpPr>
+        <p:cNvPr id="1" name="">
+          <a:extLst>
+            <a:ext uri="{FF2B5EF4-FFF2-40B4-BE49-F238E27FC236}">
+              <a16:creationId xmlns:a16="http://schemas.microsoft.com/office/drawing/2014/main" id="{FC404DF8-C55A-8750-F59A-B77A925F3F91}"/>
+            </a:ext>
+          </a:extLst>
+        </p:cNvPr>
+        <p:cNvGrpSpPr/>
+        <p:nvPr/>
+      </p:nvGrpSpPr>
+      <p:grpSpPr>
+        <a:xfrm>
+          <a:off x="0" y="0"/>
+          <a:ext cx="0" cy="0"/>
+          <a:chOff x="0" y="0"/>
+          <a:chExt cx="0" cy="0"/>
+        </a:xfrm>
+      </p:grpSpPr>
+      <p:sp>
+        <p:nvSpPr>
+          <p:cNvPr id="4" name="제목 1">
+            <a:extLst>
+              <a:ext uri="{FF2B5EF4-FFF2-40B4-BE49-F238E27FC236}">
+                <a16:creationId xmlns:a16="http://schemas.microsoft.com/office/drawing/2014/main" id="{7E57B100-DFAD-953A-4EEF-90A8C1965469}"/>
+              </a:ext>
+            </a:extLst>
+          </p:cNvPr>
+          <p:cNvSpPr>
+            <a:spLocks noGrp="1"/>
+          </p:cNvSpPr>
+          <p:nvPr>
+            <p:ph type="title"/>
+          </p:nvPr>
+        </p:nvSpPr>
+        <p:spPr>
+          <a:xfrm>
+            <a:off x="213360" y="410845"/>
+            <a:ext cx="10515600" cy="777875"/>
+          </a:xfrm>
+        </p:spPr>
+        <p:txBody>
+          <a:bodyPr>
+            <a:normAutofit/>
+          </a:bodyPr>
+          <a:lstStyle/>
+          <a:p>
+            <a:r>
+              <a:rPr lang="en-US" altLang="ko-KR" dirty="0" err="1"/>
+              <a:t>GameRoom</a:t>
+            </a:r>
+            <a:endParaRPr lang="ko-KR" altLang="en-US" dirty="0"/>
+          </a:p>
+        </p:txBody>
+      </p:sp>
+      <p:pic>
+        <p:nvPicPr>
+          <p:cNvPr id="7" name="그림 6">
+            <a:extLst>
+              <a:ext uri="{FF2B5EF4-FFF2-40B4-BE49-F238E27FC236}">
+                <a16:creationId xmlns:a16="http://schemas.microsoft.com/office/drawing/2014/main" id="{2D078281-8D59-E556-D9AC-881474DE86EB}"/>
+              </a:ext>
+            </a:extLst>
+          </p:cNvPr>
+          <p:cNvPicPr>
+            <a:picLocks noChangeAspect="1"/>
+          </p:cNvPicPr>
+          <p:nvPr/>
+        </p:nvPicPr>
+        <p:blipFill>
+          <a:blip r:embed="rId2"/>
+          <a:stretch>
+            <a:fillRect/>
+          </a:stretch>
+        </p:blipFill>
+        <p:spPr>
+          <a:xfrm>
+            <a:off x="213360" y="1188720"/>
+            <a:ext cx="8457421" cy="5572962"/>
+          </a:xfrm>
+          <a:prstGeom prst="rect">
+            <a:avLst/>
+          </a:prstGeom>
+        </p:spPr>
+      </p:pic>
+      <p:sp>
+        <p:nvSpPr>
+          <p:cNvPr id="8" name="직사각형 7">
+            <a:extLst>
+              <a:ext uri="{FF2B5EF4-FFF2-40B4-BE49-F238E27FC236}">
+                <a16:creationId xmlns:a16="http://schemas.microsoft.com/office/drawing/2014/main" id="{E41B37AD-E20F-288D-91D6-316AB34A9621}"/>
+              </a:ext>
+            </a:extLst>
+          </p:cNvPr>
+          <p:cNvSpPr/>
+          <p:nvPr/>
+        </p:nvSpPr>
+        <p:spPr>
+          <a:xfrm>
+            <a:off x="1341120" y="5634446"/>
+            <a:ext cx="1515291" cy="522514"/>
+          </a:xfrm>
+          <a:prstGeom prst="rect">
+            <a:avLst/>
+          </a:prstGeom>
+          <a:noFill/>
+          <a:ln>
+            <a:solidFill>
+              <a:srgbClr val="FF0000"/>
+            </a:solidFill>
+          </a:ln>
+        </p:spPr>
+        <p:style>
+          <a:lnRef idx="2">
+            <a:schemeClr val="accent1">
+              <a:shade val="15000"/>
+            </a:schemeClr>
+          </a:lnRef>
+          <a:fillRef idx="1">
+            <a:schemeClr val="accent1"/>
+          </a:fillRef>
+          <a:effectRef idx="0">
+            <a:schemeClr val="accent1"/>
+          </a:effectRef>
+          <a:fontRef idx="minor">
+            <a:schemeClr val="lt1"/>
+          </a:fontRef>
+        </p:style>
+        <p:txBody>
+          <a:bodyPr rtlCol="0" anchor="ctr"/>
+          <a:lstStyle/>
+          <a:p>
+            <a:pPr algn="ctr"/>
+            <a:endParaRPr lang="ko-KR" altLang="en-US"/>
+          </a:p>
+        </p:txBody>
+      </p:sp>
+      <p:pic>
+        <p:nvPicPr>
+          <p:cNvPr id="10" name="그림 9">
+            <a:extLst>
+              <a:ext uri="{FF2B5EF4-FFF2-40B4-BE49-F238E27FC236}">
+                <a16:creationId xmlns:a16="http://schemas.microsoft.com/office/drawing/2014/main" id="{2D67365D-E008-C5F0-A374-D7B6B5A857A8}"/>
+              </a:ext>
+            </a:extLst>
+          </p:cNvPr>
+          <p:cNvPicPr>
+            <a:picLocks noChangeAspect="1"/>
+          </p:cNvPicPr>
+          <p:nvPr/>
+        </p:nvPicPr>
+        <p:blipFill>
+          <a:blip r:embed="rId3"/>
+          <a:stretch>
+            <a:fillRect/>
+          </a:stretch>
+        </p:blipFill>
+        <p:spPr>
+          <a:xfrm>
+            <a:off x="2856411" y="5895703"/>
+            <a:ext cx="2493359" cy="690469"/>
+          </a:xfrm>
+          <a:prstGeom prst="rect">
+            <a:avLst/>
+          </a:prstGeom>
+        </p:spPr>
+      </p:pic>
+      <p:pic>
+        <p:nvPicPr>
+          <p:cNvPr id="12" name="그림 11">
+            <a:extLst>
+              <a:ext uri="{FF2B5EF4-FFF2-40B4-BE49-F238E27FC236}">
+                <a16:creationId xmlns:a16="http://schemas.microsoft.com/office/drawing/2014/main" id="{532D53C3-ED95-F0F7-ADD1-36474C9314F9}"/>
+              </a:ext>
+            </a:extLst>
+          </p:cNvPr>
+          <p:cNvPicPr>
+            <a:picLocks noChangeAspect="1"/>
+          </p:cNvPicPr>
+          <p:nvPr/>
+        </p:nvPicPr>
+        <p:blipFill>
+          <a:blip r:embed="rId4"/>
+          <a:stretch>
+            <a:fillRect/>
+          </a:stretch>
+        </p:blipFill>
+        <p:spPr>
+          <a:xfrm>
+            <a:off x="9099224" y="3104000"/>
+            <a:ext cx="2057687" cy="438211"/>
+          </a:xfrm>
+          <a:prstGeom prst="rect">
+            <a:avLst/>
+          </a:prstGeom>
+        </p:spPr>
+      </p:pic>
+      <p:pic>
+        <p:nvPicPr>
+          <p:cNvPr id="14" name="그림 13">
+            <a:extLst>
+              <a:ext uri="{FF2B5EF4-FFF2-40B4-BE49-F238E27FC236}">
+                <a16:creationId xmlns:a16="http://schemas.microsoft.com/office/drawing/2014/main" id="{B85C3271-96C5-EEBC-D9EE-F5B967120F25}"/>
+              </a:ext>
+            </a:extLst>
+          </p:cNvPr>
+          <p:cNvPicPr>
+            <a:picLocks noChangeAspect="1"/>
+          </p:cNvPicPr>
+          <p:nvPr/>
+        </p:nvPicPr>
+        <p:blipFill>
+          <a:blip r:embed="rId5"/>
+          <a:stretch>
+            <a:fillRect/>
+          </a:stretch>
+        </p:blipFill>
+        <p:spPr>
+          <a:xfrm>
+            <a:off x="7480236" y="3751362"/>
+            <a:ext cx="4439270" cy="3010320"/>
+          </a:xfrm>
+          <a:prstGeom prst="rect">
+            <a:avLst/>
+          </a:prstGeom>
+        </p:spPr>
+      </p:pic>
+    </p:spTree>
+    <p:extLst>
+      <p:ext uri="{BB962C8B-B14F-4D97-AF65-F5344CB8AC3E}">
+        <p14:creationId xmlns:p14="http://schemas.microsoft.com/office/powerpoint/2010/main" val="4271538206"/>
+      </p:ext>
+    </p:extLst>
+  </p:cSld>
+  <p:clrMapOvr>
+    <a:masterClrMapping/>
+  </p:clrMapOvr>
+</p:sld>
+</file>
+
+<file path=ppt/slides/slide33.xml><?xml version="1.0" encoding="utf-8"?>
+<p:sld xmlns:a="http://schemas.openxmlformats.org/drawingml/2006/main" xmlns:r="http://schemas.openxmlformats.org/officeDocument/2006/relationships" xmlns:p="http://schemas.openxmlformats.org/presentationml/2006/main">
+  <p:cSld>
+    <p:spTree>
+      <p:nvGrpSpPr>
+        <p:cNvPr id="1" name="">
+          <a:extLst>
+            <a:ext uri="{FF2B5EF4-FFF2-40B4-BE49-F238E27FC236}">
+              <a16:creationId xmlns:a16="http://schemas.microsoft.com/office/drawing/2014/main" id="{567FFC11-0232-3466-F7D7-BF9B1841E75F}"/>
+            </a:ext>
+          </a:extLst>
+        </p:cNvPr>
+        <p:cNvGrpSpPr/>
+        <p:nvPr/>
+      </p:nvGrpSpPr>
+      <p:grpSpPr>
+        <a:xfrm>
+          <a:off x="0" y="0"/>
+          <a:ext cx="0" cy="0"/>
+          <a:chOff x="0" y="0"/>
+          <a:chExt cx="0" cy="0"/>
+        </a:xfrm>
+      </p:grpSpPr>
+      <p:sp>
+        <p:nvSpPr>
+          <p:cNvPr id="4" name="제목 1">
+            <a:extLst>
+              <a:ext uri="{FF2B5EF4-FFF2-40B4-BE49-F238E27FC236}">
+                <a16:creationId xmlns:a16="http://schemas.microsoft.com/office/drawing/2014/main" id="{3252EBB0-93CB-9EE1-A82A-94499064C528}"/>
+              </a:ext>
+            </a:extLst>
+          </p:cNvPr>
+          <p:cNvSpPr>
+            <a:spLocks noGrp="1"/>
+          </p:cNvSpPr>
+          <p:nvPr>
+            <p:ph type="title"/>
+          </p:nvPr>
+        </p:nvSpPr>
+        <p:spPr>
+          <a:xfrm>
+            <a:off x="213360" y="410845"/>
+            <a:ext cx="10515600" cy="777875"/>
+          </a:xfrm>
+        </p:spPr>
+        <p:txBody>
+          <a:bodyPr>
+            <a:normAutofit/>
+          </a:bodyPr>
+          <a:lstStyle/>
+          <a:p>
+            <a:r>
+              <a:rPr lang="en-US" altLang="ko-KR" dirty="0" err="1"/>
+              <a:t>GameFeatureAction</a:t>
+            </a:r>
+            <a:endParaRPr lang="ko-KR" altLang="en-US" dirty="0"/>
+          </a:p>
+        </p:txBody>
+      </p:sp>
+      <p:pic>
+        <p:nvPicPr>
+          <p:cNvPr id="18" name="그림 17">
+            <a:extLst>
+              <a:ext uri="{FF2B5EF4-FFF2-40B4-BE49-F238E27FC236}">
+                <a16:creationId xmlns:a16="http://schemas.microsoft.com/office/drawing/2014/main" id="{9E6DE179-E290-1A62-4BD2-1BD6036F6FF3}"/>
+              </a:ext>
+            </a:extLst>
+          </p:cNvPr>
+          <p:cNvPicPr>
+            <a:picLocks noChangeAspect="1"/>
+          </p:cNvPicPr>
+          <p:nvPr/>
+        </p:nvPicPr>
+        <p:blipFill>
+          <a:blip r:embed="rId2"/>
+          <a:stretch>
+            <a:fillRect/>
+          </a:stretch>
+        </p:blipFill>
+        <p:spPr>
+          <a:xfrm>
+            <a:off x="213360" y="1188720"/>
+            <a:ext cx="9935962" cy="5115639"/>
+          </a:xfrm>
+          <a:prstGeom prst="rect">
+            <a:avLst/>
+          </a:prstGeom>
+        </p:spPr>
+      </p:pic>
+    </p:spTree>
+    <p:extLst>
+      <p:ext uri="{BB962C8B-B14F-4D97-AF65-F5344CB8AC3E}">
+        <p14:creationId xmlns:p14="http://schemas.microsoft.com/office/powerpoint/2010/main" val="2305413250"/>
+      </p:ext>
+    </p:extLst>
+  </p:cSld>
+  <p:clrMapOvr>
+    <a:masterClrMapping/>
+  </p:clrMapOvr>
+</p:sld>
+</file>
+
+<file path=ppt/slides/slide34.xml><?xml version="1.0" encoding="utf-8"?>
+<p:sld xmlns:a="http://schemas.openxmlformats.org/drawingml/2006/main" xmlns:r="http://schemas.openxmlformats.org/officeDocument/2006/relationships" xmlns:p="http://schemas.openxmlformats.org/presentationml/2006/main">
+  <p:cSld>
+    <p:spTree>
+      <p:nvGrpSpPr>
+        <p:cNvPr id="1" name="">
+          <a:extLst>
+            <a:ext uri="{FF2B5EF4-FFF2-40B4-BE49-F238E27FC236}">
+              <a16:creationId xmlns:a16="http://schemas.microsoft.com/office/drawing/2014/main" id="{AFC00CE4-5744-0071-C3C6-06CBB6754BD6}"/>
+            </a:ext>
+          </a:extLst>
+        </p:cNvPr>
+        <p:cNvGrpSpPr/>
+        <p:nvPr/>
+      </p:nvGrpSpPr>
+      <p:grpSpPr>
+        <a:xfrm>
+          <a:off x="0" y="0"/>
+          <a:ext cx="0" cy="0"/>
+          <a:chOff x="0" y="0"/>
+          <a:chExt cx="0" cy="0"/>
+        </a:xfrm>
+      </p:grpSpPr>
+      <p:sp>
+        <p:nvSpPr>
+          <p:cNvPr id="4" name="제목 1">
+            <a:extLst>
+              <a:ext uri="{FF2B5EF4-FFF2-40B4-BE49-F238E27FC236}">
+                <a16:creationId xmlns:a16="http://schemas.microsoft.com/office/drawing/2014/main" id="{34755803-2CEE-B8B8-C146-C94050C638E9}"/>
+              </a:ext>
+            </a:extLst>
+          </p:cNvPr>
+          <p:cNvSpPr>
+            <a:spLocks noGrp="1"/>
+          </p:cNvSpPr>
+          <p:nvPr>
+            <p:ph type="title"/>
+          </p:nvPr>
+        </p:nvSpPr>
+        <p:spPr>
+          <a:xfrm>
+            <a:off x="213360" y="410845"/>
+            <a:ext cx="10515600" cy="777875"/>
+          </a:xfrm>
+        </p:spPr>
+        <p:txBody>
+          <a:bodyPr>
+            <a:normAutofit/>
+          </a:bodyPr>
+          <a:lstStyle/>
+          <a:p>
+            <a:r>
+              <a:rPr lang="en-US" altLang="ko-KR" dirty="0"/>
+              <a:t>R3 Instance</a:t>
+            </a:r>
+            <a:endParaRPr lang="ko-KR" altLang="en-US" dirty="0"/>
+          </a:p>
+        </p:txBody>
+      </p:sp>
+      <p:pic>
+        <p:nvPicPr>
+          <p:cNvPr id="3" name="그림 2">
+            <a:extLst>
+              <a:ext uri="{FF2B5EF4-FFF2-40B4-BE49-F238E27FC236}">
+                <a16:creationId xmlns:a16="http://schemas.microsoft.com/office/drawing/2014/main" id="{77D77C20-6037-0D6C-42DE-4C410A984538}"/>
+              </a:ext>
+            </a:extLst>
+          </p:cNvPr>
+          <p:cNvPicPr>
+            <a:picLocks noChangeAspect="1"/>
+          </p:cNvPicPr>
+          <p:nvPr/>
+        </p:nvPicPr>
+        <p:blipFill>
+          <a:blip r:embed="rId2"/>
+          <a:stretch>
+            <a:fillRect/>
+          </a:stretch>
+        </p:blipFill>
+        <p:spPr>
+          <a:xfrm>
+            <a:off x="213360" y="1161255"/>
+            <a:ext cx="7020905" cy="5696745"/>
+          </a:xfrm>
+          <a:prstGeom prst="rect">
+            <a:avLst/>
+          </a:prstGeom>
+        </p:spPr>
+      </p:pic>
+    </p:spTree>
+    <p:extLst>
+      <p:ext uri="{BB962C8B-B14F-4D97-AF65-F5344CB8AC3E}">
+        <p14:creationId xmlns:p14="http://schemas.microsoft.com/office/powerpoint/2010/main" val="1623677654"/>
+      </p:ext>
+    </p:extLst>
+  </p:cSld>
+  <p:clrMapOvr>
+    <a:masterClrMapping/>
+  </p:clrMapOvr>
+</p:sld>
+</file>
+
+<file path=ppt/slides/slide35.xml><?xml version="1.0" encoding="utf-8"?>
+<p:sld xmlns:a="http://schemas.openxmlformats.org/drawingml/2006/main" xmlns:r="http://schemas.openxmlformats.org/officeDocument/2006/relationships" xmlns:p="http://schemas.openxmlformats.org/presentationml/2006/main">
+  <p:cSld>
+    <p:spTree>
+      <p:nvGrpSpPr>
+        <p:cNvPr id="1" name="">
+          <a:extLst>
+            <a:ext uri="{FF2B5EF4-FFF2-40B4-BE49-F238E27FC236}">
+              <a16:creationId xmlns:a16="http://schemas.microsoft.com/office/drawing/2014/main" id="{A3564095-6E36-6B62-BEA4-313B6E248BA0}"/>
+            </a:ext>
+          </a:extLst>
+        </p:cNvPr>
+        <p:cNvGrpSpPr/>
+        <p:nvPr/>
+      </p:nvGrpSpPr>
+      <p:grpSpPr>
+        <a:xfrm>
+          <a:off x="0" y="0"/>
+          <a:ext cx="0" cy="0"/>
+          <a:chOff x="0" y="0"/>
+          <a:chExt cx="0" cy="0"/>
+        </a:xfrm>
+      </p:grpSpPr>
+      <p:sp>
+        <p:nvSpPr>
+          <p:cNvPr id="4" name="제목 1">
+            <a:extLst>
+              <a:ext uri="{FF2B5EF4-FFF2-40B4-BE49-F238E27FC236}">
+                <a16:creationId xmlns:a16="http://schemas.microsoft.com/office/drawing/2014/main" id="{A7FD5847-82EA-07C1-2906-46B2FAEC02EA}"/>
+              </a:ext>
+            </a:extLst>
+          </p:cNvPr>
+          <p:cNvSpPr>
+            <a:spLocks noGrp="1"/>
+          </p:cNvSpPr>
+          <p:nvPr>
+            <p:ph type="title"/>
+          </p:nvPr>
+        </p:nvSpPr>
+        <p:spPr>
+          <a:xfrm>
+            <a:off x="213360" y="410845"/>
+            <a:ext cx="10515600" cy="777875"/>
+          </a:xfrm>
+        </p:spPr>
+        <p:txBody>
+          <a:bodyPr>
+            <a:normAutofit/>
+          </a:bodyPr>
+          <a:lstStyle/>
+          <a:p>
+            <a:r>
+              <a:rPr lang="en-US" altLang="ko-KR" dirty="0"/>
+              <a:t>R3 Instance</a:t>
+            </a:r>
+            <a:endParaRPr lang="ko-KR" altLang="en-US" dirty="0"/>
+          </a:p>
+        </p:txBody>
+      </p:sp>
+      <p:pic>
+        <p:nvPicPr>
+          <p:cNvPr id="5" name="그림 4">
+            <a:extLst>
+              <a:ext uri="{FF2B5EF4-FFF2-40B4-BE49-F238E27FC236}">
+                <a16:creationId xmlns:a16="http://schemas.microsoft.com/office/drawing/2014/main" id="{2AD46CB1-CC16-2363-4AF7-3FC4A4E3C40E}"/>
+              </a:ext>
+            </a:extLst>
+          </p:cNvPr>
+          <p:cNvPicPr>
+            <a:picLocks noChangeAspect="1"/>
+          </p:cNvPicPr>
+          <p:nvPr/>
+        </p:nvPicPr>
+        <p:blipFill>
+          <a:blip r:embed="rId2"/>
+          <a:stretch>
+            <a:fillRect/>
+          </a:stretch>
+        </p:blipFill>
+        <p:spPr>
+          <a:xfrm>
+            <a:off x="213360" y="1188720"/>
+            <a:ext cx="5115639" cy="4820323"/>
+          </a:xfrm>
+          <a:prstGeom prst="rect">
+            <a:avLst/>
+          </a:prstGeom>
+        </p:spPr>
+      </p:pic>
+    </p:spTree>
+    <p:extLst>
+      <p:ext uri="{BB962C8B-B14F-4D97-AF65-F5344CB8AC3E}">
+        <p14:creationId xmlns:p14="http://schemas.microsoft.com/office/powerpoint/2010/main" val="2576025110"/>
+      </p:ext>
+    </p:extLst>
+  </p:cSld>
+  <p:clrMapOvr>
+    <a:masterClrMapping/>
+  </p:clrMapOvr>
+</p:sld>
+</file>
+
+<file path=ppt/slides/slide36.xml><?xml version="1.0" encoding="utf-8"?>
+<p:sld xmlns:a="http://schemas.openxmlformats.org/drawingml/2006/main" xmlns:r="http://schemas.openxmlformats.org/officeDocument/2006/relationships" xmlns:p="http://schemas.openxmlformats.org/presentationml/2006/main">
+  <p:cSld>
+    <p:spTree>
+      <p:nvGrpSpPr>
+        <p:cNvPr id="1" name="">
+          <a:extLst>
+            <a:ext uri="{FF2B5EF4-FFF2-40B4-BE49-F238E27FC236}">
+              <a16:creationId xmlns:a16="http://schemas.microsoft.com/office/drawing/2014/main" id="{5305C490-5134-5CF3-8F5C-0FBC54558E78}"/>
+            </a:ext>
+          </a:extLst>
+        </p:cNvPr>
+        <p:cNvGrpSpPr/>
+        <p:nvPr/>
+      </p:nvGrpSpPr>
+      <p:grpSpPr>
+        <a:xfrm>
+          <a:off x="0" y="0"/>
+          <a:ext cx="0" cy="0"/>
+          <a:chOff x="0" y="0"/>
+          <a:chExt cx="0" cy="0"/>
+        </a:xfrm>
+      </p:grpSpPr>
+      <p:sp>
+        <p:nvSpPr>
+          <p:cNvPr id="4" name="제목 1">
+            <a:extLst>
+              <a:ext uri="{FF2B5EF4-FFF2-40B4-BE49-F238E27FC236}">
+                <a16:creationId xmlns:a16="http://schemas.microsoft.com/office/drawing/2014/main" id="{3DA71574-E1A5-5D2F-B9DA-B4F88288D4F6}"/>
+              </a:ext>
+            </a:extLst>
+          </p:cNvPr>
+          <p:cNvSpPr>
+            <a:spLocks noGrp="1"/>
+          </p:cNvSpPr>
+          <p:nvPr>
+            <p:ph type="title"/>
+          </p:nvPr>
+        </p:nvSpPr>
+        <p:spPr>
+          <a:xfrm>
+            <a:off x="213360" y="410845"/>
+            <a:ext cx="10515600" cy="777875"/>
+          </a:xfrm>
+        </p:spPr>
+        <p:txBody>
+          <a:bodyPr>
+            <a:normAutofit/>
+          </a:bodyPr>
+          <a:lstStyle/>
+          <a:p>
+            <a:r>
+              <a:rPr lang="en-US" altLang="ko-KR" dirty="0"/>
+              <a:t>R3 Instance</a:t>
+            </a:r>
+            <a:endParaRPr lang="ko-KR" altLang="en-US" dirty="0"/>
+          </a:p>
+        </p:txBody>
+      </p:sp>
+      <p:pic>
+        <p:nvPicPr>
+          <p:cNvPr id="7" name="그림 6">
+            <a:extLst>
+              <a:ext uri="{FF2B5EF4-FFF2-40B4-BE49-F238E27FC236}">
+                <a16:creationId xmlns:a16="http://schemas.microsoft.com/office/drawing/2014/main" id="{5674797C-936F-2E8B-A301-D4D96CECE238}"/>
+              </a:ext>
+            </a:extLst>
+          </p:cNvPr>
+          <p:cNvPicPr>
+            <a:picLocks noChangeAspect="1"/>
+          </p:cNvPicPr>
+          <p:nvPr/>
+        </p:nvPicPr>
+        <p:blipFill>
+          <a:blip r:embed="rId2"/>
+          <a:stretch>
+            <a:fillRect/>
+          </a:stretch>
+        </p:blipFill>
+        <p:spPr>
+          <a:xfrm>
+            <a:off x="213360" y="1092925"/>
+            <a:ext cx="9081011" cy="5669280"/>
+          </a:xfrm>
+          <a:prstGeom prst="rect">
+            <a:avLst/>
+          </a:prstGeom>
+        </p:spPr>
+      </p:pic>
+    </p:spTree>
+    <p:extLst>
+      <p:ext uri="{BB962C8B-B14F-4D97-AF65-F5344CB8AC3E}">
+        <p14:creationId xmlns:p14="http://schemas.microsoft.com/office/powerpoint/2010/main" val="3813006523"/>
+      </p:ext>
+    </p:extLst>
+  </p:cSld>
+  <p:clrMapOvr>
+    <a:masterClrMapping/>
+  </p:clrMapOvr>
+</p:sld>
+</file>
+
+<file path=ppt/slides/slide37.xml><?xml version="1.0" encoding="utf-8"?>
+<p:sld xmlns:a="http://schemas.openxmlformats.org/drawingml/2006/main" xmlns:r="http://schemas.openxmlformats.org/officeDocument/2006/relationships" xmlns:p="http://schemas.openxmlformats.org/presentationml/2006/main">
+  <p:cSld>
+    <p:spTree>
+      <p:nvGrpSpPr>
+        <p:cNvPr id="1" name="">
+          <a:extLst>
+            <a:ext uri="{FF2B5EF4-FFF2-40B4-BE49-F238E27FC236}">
+              <a16:creationId xmlns:a16="http://schemas.microsoft.com/office/drawing/2014/main" id="{948BBA58-DFE8-EBEA-196E-5035EBEB6E51}"/>
+            </a:ext>
+          </a:extLst>
+        </p:cNvPr>
+        <p:cNvGrpSpPr/>
+        <p:nvPr/>
+      </p:nvGrpSpPr>
+      <p:grpSpPr>
+        <a:xfrm>
+          <a:off x="0" y="0"/>
+          <a:ext cx="0" cy="0"/>
+          <a:chOff x="0" y="0"/>
+          <a:chExt cx="0" cy="0"/>
+        </a:xfrm>
+      </p:grpSpPr>
+      <p:sp>
+        <p:nvSpPr>
+          <p:cNvPr id="4" name="제목 1">
+            <a:extLst>
+              <a:ext uri="{FF2B5EF4-FFF2-40B4-BE49-F238E27FC236}">
+                <a16:creationId xmlns:a16="http://schemas.microsoft.com/office/drawing/2014/main" id="{5EF5A5EB-7588-AAB2-D14E-639202CC61C0}"/>
+              </a:ext>
+            </a:extLst>
+          </p:cNvPr>
+          <p:cNvSpPr>
+            <a:spLocks noGrp="1"/>
+          </p:cNvSpPr>
+          <p:nvPr>
+            <p:ph type="title"/>
+          </p:nvPr>
+        </p:nvSpPr>
+        <p:spPr>
+          <a:xfrm>
+            <a:off x="213360" y="410845"/>
+            <a:ext cx="10515600" cy="777875"/>
+          </a:xfrm>
+        </p:spPr>
+        <p:txBody>
+          <a:bodyPr>
+            <a:normAutofit/>
+          </a:bodyPr>
+          <a:lstStyle/>
+          <a:p>
+            <a:r>
+              <a:rPr lang="en-US" altLang="ko-KR" dirty="0" err="1"/>
+              <a:t>CharComponent</a:t>
+            </a:r>
+            <a:endParaRPr lang="ko-KR" altLang="en-US" dirty="0"/>
+          </a:p>
+        </p:txBody>
+      </p:sp>
+      <p:pic>
+        <p:nvPicPr>
+          <p:cNvPr id="3" name="그림 2">
+            <a:extLst>
+              <a:ext uri="{FF2B5EF4-FFF2-40B4-BE49-F238E27FC236}">
+                <a16:creationId xmlns:a16="http://schemas.microsoft.com/office/drawing/2014/main" id="{39FE65C8-D05A-3301-B306-942512AC4EF4}"/>
+              </a:ext>
+            </a:extLst>
+          </p:cNvPr>
+          <p:cNvPicPr>
+            <a:picLocks noChangeAspect="1"/>
+          </p:cNvPicPr>
+          <p:nvPr/>
+        </p:nvPicPr>
+        <p:blipFill>
+          <a:blip r:embed="rId2"/>
+          <a:stretch>
+            <a:fillRect/>
+          </a:stretch>
+        </p:blipFill>
+        <p:spPr>
+          <a:xfrm>
+            <a:off x="213360" y="1114697"/>
+            <a:ext cx="7762083" cy="5743303"/>
+          </a:xfrm>
+          <a:prstGeom prst="rect">
+            <a:avLst/>
+          </a:prstGeom>
+        </p:spPr>
+      </p:pic>
+    </p:spTree>
+    <p:extLst>
+      <p:ext uri="{BB962C8B-B14F-4D97-AF65-F5344CB8AC3E}">
+        <p14:creationId xmlns:p14="http://schemas.microsoft.com/office/powerpoint/2010/main" val="1527174371"/>
+      </p:ext>
+    </p:extLst>
+  </p:cSld>
+  <p:clrMapOvr>
+    <a:masterClrMapping/>
+  </p:clrMapOvr>
+</p:sld>
+</file>
+
+<file path=ppt/slides/slide38.xml><?xml version="1.0" encoding="utf-8"?>
+<p:sld xmlns:a="http://schemas.openxmlformats.org/drawingml/2006/main" xmlns:r="http://schemas.openxmlformats.org/officeDocument/2006/relationships" xmlns:p="http://schemas.openxmlformats.org/presentationml/2006/main">
+  <p:cSld>
+    <p:spTree>
+      <p:nvGrpSpPr>
+        <p:cNvPr id="1" name="">
+          <a:extLst>
+            <a:ext uri="{FF2B5EF4-FFF2-40B4-BE49-F238E27FC236}">
+              <a16:creationId xmlns:a16="http://schemas.microsoft.com/office/drawing/2014/main" id="{065B11AE-7ED3-F2A0-19AF-BF39803814B5}"/>
+            </a:ext>
+          </a:extLst>
+        </p:cNvPr>
+        <p:cNvGrpSpPr/>
+        <p:nvPr/>
+      </p:nvGrpSpPr>
+      <p:grpSpPr>
+        <a:xfrm>
+          <a:off x="0" y="0"/>
+          <a:ext cx="0" cy="0"/>
+          <a:chOff x="0" y="0"/>
+          <a:chExt cx="0" cy="0"/>
+        </a:xfrm>
+      </p:grpSpPr>
+      <p:sp>
+        <p:nvSpPr>
+          <p:cNvPr id="4" name="제목 1">
+            <a:extLst>
+              <a:ext uri="{FF2B5EF4-FFF2-40B4-BE49-F238E27FC236}">
+                <a16:creationId xmlns:a16="http://schemas.microsoft.com/office/drawing/2014/main" id="{A1885B97-62A6-4994-C5D8-F9559E972025}"/>
+              </a:ext>
+            </a:extLst>
+          </p:cNvPr>
+          <p:cNvSpPr>
+            <a:spLocks noGrp="1"/>
+          </p:cNvSpPr>
+          <p:nvPr>
+            <p:ph type="title"/>
+          </p:nvPr>
+        </p:nvSpPr>
+        <p:spPr>
+          <a:xfrm>
+            <a:off x="213360" y="410845"/>
+            <a:ext cx="10515600" cy="777875"/>
+          </a:xfrm>
+        </p:spPr>
+        <p:txBody>
+          <a:bodyPr>
+            <a:normAutofit/>
+          </a:bodyPr>
+          <a:lstStyle/>
+          <a:p>
+            <a:r>
+              <a:rPr lang="en-US" altLang="ko-KR" dirty="0" err="1"/>
+              <a:t>CharComponent</a:t>
+            </a:r>
+            <a:endParaRPr lang="ko-KR" altLang="en-US" dirty="0"/>
+          </a:p>
+        </p:txBody>
+      </p:sp>
+      <p:pic>
+        <p:nvPicPr>
+          <p:cNvPr id="8" name="그림 7">
+            <a:extLst>
+              <a:ext uri="{FF2B5EF4-FFF2-40B4-BE49-F238E27FC236}">
+                <a16:creationId xmlns:a16="http://schemas.microsoft.com/office/drawing/2014/main" id="{E9828E26-36F6-3C6F-F819-AA70A9BD1933}"/>
+              </a:ext>
+            </a:extLst>
+          </p:cNvPr>
+          <p:cNvPicPr>
+            <a:picLocks noChangeAspect="1"/>
+          </p:cNvPicPr>
+          <p:nvPr/>
+        </p:nvPicPr>
+        <p:blipFill>
+          <a:blip r:embed="rId2"/>
+          <a:stretch>
+            <a:fillRect/>
+          </a:stretch>
+        </p:blipFill>
+        <p:spPr>
+          <a:xfrm>
+            <a:off x="213360" y="1188720"/>
+            <a:ext cx="9540719" cy="5142411"/>
+          </a:xfrm>
+          <a:prstGeom prst="rect">
+            <a:avLst/>
+          </a:prstGeom>
+        </p:spPr>
+      </p:pic>
+    </p:spTree>
+    <p:extLst>
+      <p:ext uri="{BB962C8B-B14F-4D97-AF65-F5344CB8AC3E}">
+        <p14:creationId xmlns:p14="http://schemas.microsoft.com/office/powerpoint/2010/main" val="674369147"/>
+      </p:ext>
+    </p:extLst>
+  </p:cSld>
+  <p:clrMapOvr>
+    <a:masterClrMapping/>
+  </p:clrMapOvr>
+</p:sld>
+</file>
+
+<file path=ppt/slides/slide39.xml><?xml version="1.0" encoding="utf-8"?>
+<p:sld xmlns:a="http://schemas.openxmlformats.org/drawingml/2006/main" xmlns:r="http://schemas.openxmlformats.org/officeDocument/2006/relationships" xmlns:p="http://schemas.openxmlformats.org/presentationml/2006/main">
+  <p:cSld>
+    <p:spTree>
+      <p:nvGrpSpPr>
+        <p:cNvPr id="1" name="">
+          <a:extLst>
+            <a:ext uri="{FF2B5EF4-FFF2-40B4-BE49-F238E27FC236}">
+              <a16:creationId xmlns:a16="http://schemas.microsoft.com/office/drawing/2014/main" id="{68CCDCF3-9356-1D8A-CFCE-781C1150BE2C}"/>
+            </a:ext>
+          </a:extLst>
+        </p:cNvPr>
+        <p:cNvGrpSpPr/>
+        <p:nvPr/>
+      </p:nvGrpSpPr>
+      <p:grpSpPr>
+        <a:xfrm>
+          <a:off x="0" y="0"/>
+          <a:ext cx="0" cy="0"/>
+          <a:chOff x="0" y="0"/>
+          <a:chExt cx="0" cy="0"/>
+        </a:xfrm>
+      </p:grpSpPr>
+      <p:sp>
+        <p:nvSpPr>
+          <p:cNvPr id="4" name="제목 1">
+            <a:extLst>
+              <a:ext uri="{FF2B5EF4-FFF2-40B4-BE49-F238E27FC236}">
+                <a16:creationId xmlns:a16="http://schemas.microsoft.com/office/drawing/2014/main" id="{AC29F4E8-0C7A-73AB-5194-8DD12AD7278D}"/>
+              </a:ext>
+            </a:extLst>
+          </p:cNvPr>
+          <p:cNvSpPr>
+            <a:spLocks noGrp="1"/>
+          </p:cNvSpPr>
+          <p:nvPr>
+            <p:ph type="title"/>
+          </p:nvPr>
+        </p:nvSpPr>
+        <p:spPr>
+          <a:xfrm>
+            <a:off x="213360" y="410845"/>
+            <a:ext cx="10515600" cy="777875"/>
+          </a:xfrm>
+        </p:spPr>
+        <p:txBody>
+          <a:bodyPr>
+            <a:normAutofit/>
+          </a:bodyPr>
+          <a:lstStyle/>
+          <a:p>
+            <a:r>
+              <a:rPr lang="en-US" altLang="ko-KR" dirty="0" err="1"/>
+              <a:t>CharComponent</a:t>
+            </a:r>
+            <a:endParaRPr lang="ko-KR" altLang="en-US" dirty="0"/>
+          </a:p>
+        </p:txBody>
+      </p:sp>
+      <p:pic>
+        <p:nvPicPr>
+          <p:cNvPr id="3" name="그림 2">
+            <a:extLst>
+              <a:ext uri="{FF2B5EF4-FFF2-40B4-BE49-F238E27FC236}">
+                <a16:creationId xmlns:a16="http://schemas.microsoft.com/office/drawing/2014/main" id="{B9F63B1B-EF34-5181-1505-8B00339CA58C}"/>
+              </a:ext>
+            </a:extLst>
+          </p:cNvPr>
+          <p:cNvPicPr>
+            <a:picLocks noChangeAspect="1"/>
+          </p:cNvPicPr>
+          <p:nvPr/>
+        </p:nvPicPr>
+        <p:blipFill>
+          <a:blip r:embed="rId2"/>
+          <a:stretch>
+            <a:fillRect/>
+          </a:stretch>
+        </p:blipFill>
+        <p:spPr>
+          <a:xfrm>
+            <a:off x="213360" y="1188720"/>
+            <a:ext cx="10014857" cy="5549932"/>
+          </a:xfrm>
+          <a:prstGeom prst="rect">
+            <a:avLst/>
+          </a:prstGeom>
+        </p:spPr>
+      </p:pic>
+    </p:spTree>
+    <p:extLst>
+      <p:ext uri="{BB962C8B-B14F-4D97-AF65-F5344CB8AC3E}">
+        <p14:creationId xmlns:p14="http://schemas.microsoft.com/office/powerpoint/2010/main" val="2195571463"/>
+      </p:ext>
+    </p:extLst>
+  </p:cSld>
+  <p:clrMapOvr>
+    <a:masterClrMapping/>
+  </p:clrMapOvr>
+</p:sld>
+</file>
+
 <file path=ppt/slides/slide4.xml><?xml version="1.0" encoding="utf-8"?>
 <p:sld xmlns:a="http://schemas.openxmlformats.org/drawingml/2006/main" xmlns:r="http://schemas.openxmlformats.org/officeDocument/2006/relationships" xmlns:p="http://schemas.openxmlformats.org/presentationml/2006/main">
   <p:cSld>
@@ -13445,6 +14526,1108 @@
     <p:extLst>
       <p:ext uri="{BB962C8B-B14F-4D97-AF65-F5344CB8AC3E}">
         <p14:creationId xmlns:p14="http://schemas.microsoft.com/office/powerpoint/2010/main" val="548202548"/>
+      </p:ext>
+    </p:extLst>
+  </p:cSld>
+  <p:clrMapOvr>
+    <a:masterClrMapping/>
+  </p:clrMapOvr>
+</p:sld>
+</file>
+
+<file path=ppt/slides/slide40.xml><?xml version="1.0" encoding="utf-8"?>
+<p:sld xmlns:a="http://schemas.openxmlformats.org/drawingml/2006/main" xmlns:r="http://schemas.openxmlformats.org/officeDocument/2006/relationships" xmlns:p="http://schemas.openxmlformats.org/presentationml/2006/main">
+  <p:cSld>
+    <p:spTree>
+      <p:nvGrpSpPr>
+        <p:cNvPr id="1" name="">
+          <a:extLst>
+            <a:ext uri="{FF2B5EF4-FFF2-40B4-BE49-F238E27FC236}">
+              <a16:creationId xmlns:a16="http://schemas.microsoft.com/office/drawing/2014/main" id="{D9F182BF-6EB3-AA53-B8B1-32A8C3832F5B}"/>
+            </a:ext>
+          </a:extLst>
+        </p:cNvPr>
+        <p:cNvGrpSpPr/>
+        <p:nvPr/>
+      </p:nvGrpSpPr>
+      <p:grpSpPr>
+        <a:xfrm>
+          <a:off x="0" y="0"/>
+          <a:ext cx="0" cy="0"/>
+          <a:chOff x="0" y="0"/>
+          <a:chExt cx="0" cy="0"/>
+        </a:xfrm>
+      </p:grpSpPr>
+      <p:sp>
+        <p:nvSpPr>
+          <p:cNvPr id="4" name="제목 1">
+            <a:extLst>
+              <a:ext uri="{FF2B5EF4-FFF2-40B4-BE49-F238E27FC236}">
+                <a16:creationId xmlns:a16="http://schemas.microsoft.com/office/drawing/2014/main" id="{3C68B510-350E-3131-4BF8-3F26154CE916}"/>
+              </a:ext>
+            </a:extLst>
+          </p:cNvPr>
+          <p:cNvSpPr>
+            <a:spLocks noGrp="1"/>
+          </p:cNvSpPr>
+          <p:nvPr>
+            <p:ph type="title"/>
+          </p:nvPr>
+        </p:nvSpPr>
+        <p:spPr>
+          <a:xfrm>
+            <a:off x="213360" y="410845"/>
+            <a:ext cx="10515600" cy="777875"/>
+          </a:xfrm>
+        </p:spPr>
+        <p:txBody>
+          <a:bodyPr>
+            <a:normAutofit/>
+          </a:bodyPr>
+          <a:lstStyle/>
+          <a:p>
+            <a:r>
+              <a:rPr lang="en-US" altLang="ko-KR" dirty="0" err="1"/>
+              <a:t>CharComponent</a:t>
+            </a:r>
+            <a:endParaRPr lang="ko-KR" altLang="en-US" dirty="0"/>
+          </a:p>
+        </p:txBody>
+      </p:sp>
+      <p:pic>
+        <p:nvPicPr>
+          <p:cNvPr id="6" name="그림 5">
+            <a:extLst>
+              <a:ext uri="{FF2B5EF4-FFF2-40B4-BE49-F238E27FC236}">
+                <a16:creationId xmlns:a16="http://schemas.microsoft.com/office/drawing/2014/main" id="{0C95BF22-058F-5FF8-9D35-70592675369E}"/>
+              </a:ext>
+            </a:extLst>
+          </p:cNvPr>
+          <p:cNvPicPr>
+            <a:picLocks noChangeAspect="1"/>
+          </p:cNvPicPr>
+          <p:nvPr/>
+        </p:nvPicPr>
+        <p:blipFill>
+          <a:blip r:embed="rId2"/>
+          <a:stretch>
+            <a:fillRect/>
+          </a:stretch>
+        </p:blipFill>
+        <p:spPr>
+          <a:xfrm>
+            <a:off x="213360" y="1188720"/>
+            <a:ext cx="8376985" cy="5474469"/>
+          </a:xfrm>
+          <a:prstGeom prst="rect">
+            <a:avLst/>
+          </a:prstGeom>
+        </p:spPr>
+      </p:pic>
+    </p:spTree>
+    <p:extLst>
+      <p:ext uri="{BB962C8B-B14F-4D97-AF65-F5344CB8AC3E}">
+        <p14:creationId xmlns:p14="http://schemas.microsoft.com/office/powerpoint/2010/main" val="414074326"/>
+      </p:ext>
+    </p:extLst>
+  </p:cSld>
+  <p:clrMapOvr>
+    <a:masterClrMapping/>
+  </p:clrMapOvr>
+</p:sld>
+</file>
+
+<file path=ppt/slides/slide41.xml><?xml version="1.0" encoding="utf-8"?>
+<p:sld xmlns:a="http://schemas.openxmlformats.org/drawingml/2006/main" xmlns:r="http://schemas.openxmlformats.org/officeDocument/2006/relationships" xmlns:p="http://schemas.openxmlformats.org/presentationml/2006/main">
+  <p:cSld>
+    <p:spTree>
+      <p:nvGrpSpPr>
+        <p:cNvPr id="1" name="">
+          <a:extLst>
+            <a:ext uri="{FF2B5EF4-FFF2-40B4-BE49-F238E27FC236}">
+              <a16:creationId xmlns:a16="http://schemas.microsoft.com/office/drawing/2014/main" id="{CF6F4A36-8B5D-59E2-C6CE-987EA138DBBA}"/>
+            </a:ext>
+          </a:extLst>
+        </p:cNvPr>
+        <p:cNvGrpSpPr/>
+        <p:nvPr/>
+      </p:nvGrpSpPr>
+      <p:grpSpPr>
+        <a:xfrm>
+          <a:off x="0" y="0"/>
+          <a:ext cx="0" cy="0"/>
+          <a:chOff x="0" y="0"/>
+          <a:chExt cx="0" cy="0"/>
+        </a:xfrm>
+      </p:grpSpPr>
+      <p:sp>
+        <p:nvSpPr>
+          <p:cNvPr id="4" name="제목 1">
+            <a:extLst>
+              <a:ext uri="{FF2B5EF4-FFF2-40B4-BE49-F238E27FC236}">
+                <a16:creationId xmlns:a16="http://schemas.microsoft.com/office/drawing/2014/main" id="{0C92DCA0-A565-79ED-D25D-607C8F4FB13F}"/>
+              </a:ext>
+            </a:extLst>
+          </p:cNvPr>
+          <p:cNvSpPr>
+            <a:spLocks noGrp="1"/>
+          </p:cNvSpPr>
+          <p:nvPr>
+            <p:ph type="title"/>
+          </p:nvPr>
+        </p:nvSpPr>
+        <p:spPr>
+          <a:xfrm>
+            <a:off x="213360" y="410845"/>
+            <a:ext cx="10515600" cy="777875"/>
+          </a:xfrm>
+        </p:spPr>
+        <p:txBody>
+          <a:bodyPr>
+            <a:normAutofit/>
+          </a:bodyPr>
+          <a:lstStyle/>
+          <a:p>
+            <a:r>
+              <a:rPr lang="en-US" altLang="ko-KR" dirty="0" err="1"/>
+              <a:t>HeroComponent</a:t>
+            </a:r>
+            <a:endParaRPr lang="ko-KR" altLang="en-US" dirty="0"/>
+          </a:p>
+        </p:txBody>
+      </p:sp>
+      <p:pic>
+        <p:nvPicPr>
+          <p:cNvPr id="3" name="그림 2">
+            <a:extLst>
+              <a:ext uri="{FF2B5EF4-FFF2-40B4-BE49-F238E27FC236}">
+                <a16:creationId xmlns:a16="http://schemas.microsoft.com/office/drawing/2014/main" id="{E1A917AC-3E6E-AD81-4E19-5EEF00BB4412}"/>
+              </a:ext>
+            </a:extLst>
+          </p:cNvPr>
+          <p:cNvPicPr>
+            <a:picLocks noChangeAspect="1"/>
+          </p:cNvPicPr>
+          <p:nvPr/>
+        </p:nvPicPr>
+        <p:blipFill>
+          <a:blip r:embed="rId2"/>
+          <a:stretch>
+            <a:fillRect/>
+          </a:stretch>
+        </p:blipFill>
+        <p:spPr>
+          <a:xfrm>
+            <a:off x="213360" y="1188720"/>
+            <a:ext cx="6968788" cy="5669280"/>
+          </a:xfrm>
+          <a:prstGeom prst="rect">
+            <a:avLst/>
+          </a:prstGeom>
+        </p:spPr>
+      </p:pic>
+    </p:spTree>
+    <p:extLst>
+      <p:ext uri="{BB962C8B-B14F-4D97-AF65-F5344CB8AC3E}">
+        <p14:creationId xmlns:p14="http://schemas.microsoft.com/office/powerpoint/2010/main" val="2569601124"/>
+      </p:ext>
+    </p:extLst>
+  </p:cSld>
+  <p:clrMapOvr>
+    <a:masterClrMapping/>
+  </p:clrMapOvr>
+</p:sld>
+</file>
+
+<file path=ppt/slides/slide42.xml><?xml version="1.0" encoding="utf-8"?>
+<p:sld xmlns:a="http://schemas.openxmlformats.org/drawingml/2006/main" xmlns:r="http://schemas.openxmlformats.org/officeDocument/2006/relationships" xmlns:p="http://schemas.openxmlformats.org/presentationml/2006/main">
+  <p:cSld>
+    <p:spTree>
+      <p:nvGrpSpPr>
+        <p:cNvPr id="1" name="">
+          <a:extLst>
+            <a:ext uri="{FF2B5EF4-FFF2-40B4-BE49-F238E27FC236}">
+              <a16:creationId xmlns:a16="http://schemas.microsoft.com/office/drawing/2014/main" id="{2BD8826D-3671-FDC4-77C7-1E80CE5F024B}"/>
+            </a:ext>
+          </a:extLst>
+        </p:cNvPr>
+        <p:cNvGrpSpPr/>
+        <p:nvPr/>
+      </p:nvGrpSpPr>
+      <p:grpSpPr>
+        <a:xfrm>
+          <a:off x="0" y="0"/>
+          <a:ext cx="0" cy="0"/>
+          <a:chOff x="0" y="0"/>
+          <a:chExt cx="0" cy="0"/>
+        </a:xfrm>
+      </p:grpSpPr>
+      <p:sp>
+        <p:nvSpPr>
+          <p:cNvPr id="4" name="제목 1">
+            <a:extLst>
+              <a:ext uri="{FF2B5EF4-FFF2-40B4-BE49-F238E27FC236}">
+                <a16:creationId xmlns:a16="http://schemas.microsoft.com/office/drawing/2014/main" id="{CFFDEE13-6383-869E-2BFE-B3AF027B0F5F}"/>
+              </a:ext>
+            </a:extLst>
+          </p:cNvPr>
+          <p:cNvSpPr>
+            <a:spLocks noGrp="1"/>
+          </p:cNvSpPr>
+          <p:nvPr>
+            <p:ph type="title"/>
+          </p:nvPr>
+        </p:nvSpPr>
+        <p:spPr>
+          <a:xfrm>
+            <a:off x="213360" y="410845"/>
+            <a:ext cx="10515600" cy="777875"/>
+          </a:xfrm>
+        </p:spPr>
+        <p:txBody>
+          <a:bodyPr>
+            <a:normAutofit/>
+          </a:bodyPr>
+          <a:lstStyle/>
+          <a:p>
+            <a:r>
+              <a:rPr lang="en-US" altLang="ko-KR" dirty="0" err="1"/>
+              <a:t>HeroComponent</a:t>
+            </a:r>
+            <a:endParaRPr lang="ko-KR" altLang="en-US" dirty="0"/>
+          </a:p>
+        </p:txBody>
+      </p:sp>
+      <p:pic>
+        <p:nvPicPr>
+          <p:cNvPr id="7" name="그림 6">
+            <a:extLst>
+              <a:ext uri="{FF2B5EF4-FFF2-40B4-BE49-F238E27FC236}">
+                <a16:creationId xmlns:a16="http://schemas.microsoft.com/office/drawing/2014/main" id="{FB1D07EB-1EDE-E965-3377-8D2B4B466941}"/>
+              </a:ext>
+            </a:extLst>
+          </p:cNvPr>
+          <p:cNvPicPr>
+            <a:picLocks noChangeAspect="1"/>
+          </p:cNvPicPr>
+          <p:nvPr/>
+        </p:nvPicPr>
+        <p:blipFill>
+          <a:blip r:embed="rId2"/>
+          <a:stretch>
+            <a:fillRect/>
+          </a:stretch>
+        </p:blipFill>
+        <p:spPr>
+          <a:xfrm>
+            <a:off x="213360" y="1188720"/>
+            <a:ext cx="8905710" cy="5669280"/>
+          </a:xfrm>
+          <a:prstGeom prst="rect">
+            <a:avLst/>
+          </a:prstGeom>
+        </p:spPr>
+      </p:pic>
+    </p:spTree>
+    <p:extLst>
+      <p:ext uri="{BB962C8B-B14F-4D97-AF65-F5344CB8AC3E}">
+        <p14:creationId xmlns:p14="http://schemas.microsoft.com/office/powerpoint/2010/main" val="3664136704"/>
+      </p:ext>
+    </p:extLst>
+  </p:cSld>
+  <p:clrMapOvr>
+    <a:masterClrMapping/>
+  </p:clrMapOvr>
+</p:sld>
+</file>
+
+<file path=ppt/slides/slide43.xml><?xml version="1.0" encoding="utf-8"?>
+<p:sld xmlns:a="http://schemas.openxmlformats.org/drawingml/2006/main" xmlns:r="http://schemas.openxmlformats.org/officeDocument/2006/relationships" xmlns:p="http://schemas.openxmlformats.org/presentationml/2006/main">
+  <p:cSld>
+    <p:spTree>
+      <p:nvGrpSpPr>
+        <p:cNvPr id="1" name="">
+          <a:extLst>
+            <a:ext uri="{FF2B5EF4-FFF2-40B4-BE49-F238E27FC236}">
+              <a16:creationId xmlns:a16="http://schemas.microsoft.com/office/drawing/2014/main" id="{F415F7DB-CD43-E239-B080-9B74FCEF1423}"/>
+            </a:ext>
+          </a:extLst>
+        </p:cNvPr>
+        <p:cNvGrpSpPr/>
+        <p:nvPr/>
+      </p:nvGrpSpPr>
+      <p:grpSpPr>
+        <a:xfrm>
+          <a:off x="0" y="0"/>
+          <a:ext cx="0" cy="0"/>
+          <a:chOff x="0" y="0"/>
+          <a:chExt cx="0" cy="0"/>
+        </a:xfrm>
+      </p:grpSpPr>
+      <p:sp>
+        <p:nvSpPr>
+          <p:cNvPr id="4" name="제목 1">
+            <a:extLst>
+              <a:ext uri="{FF2B5EF4-FFF2-40B4-BE49-F238E27FC236}">
+                <a16:creationId xmlns:a16="http://schemas.microsoft.com/office/drawing/2014/main" id="{2E707C06-8CED-7E94-AEC1-31625B8EF536}"/>
+              </a:ext>
+            </a:extLst>
+          </p:cNvPr>
+          <p:cNvSpPr>
+            <a:spLocks noGrp="1"/>
+          </p:cNvSpPr>
+          <p:nvPr>
+            <p:ph type="title"/>
+          </p:nvPr>
+        </p:nvSpPr>
+        <p:spPr>
+          <a:xfrm>
+            <a:off x="213360" y="410845"/>
+            <a:ext cx="10515600" cy="777875"/>
+          </a:xfrm>
+        </p:spPr>
+        <p:txBody>
+          <a:bodyPr>
+            <a:normAutofit/>
+          </a:bodyPr>
+          <a:lstStyle/>
+          <a:p>
+            <a:r>
+              <a:rPr lang="en-US" altLang="ko-KR" dirty="0" err="1"/>
+              <a:t>HeroComponent</a:t>
+            </a:r>
+            <a:endParaRPr lang="ko-KR" altLang="en-US" dirty="0"/>
+          </a:p>
+        </p:txBody>
+      </p:sp>
+      <p:pic>
+        <p:nvPicPr>
+          <p:cNvPr id="5" name="그림 4">
+            <a:extLst>
+              <a:ext uri="{FF2B5EF4-FFF2-40B4-BE49-F238E27FC236}">
+                <a16:creationId xmlns:a16="http://schemas.microsoft.com/office/drawing/2014/main" id="{10EF3F81-3882-7890-2C2C-426425CFA19B}"/>
+              </a:ext>
+            </a:extLst>
+          </p:cNvPr>
+          <p:cNvPicPr>
+            <a:picLocks noChangeAspect="1"/>
+          </p:cNvPicPr>
+          <p:nvPr/>
+        </p:nvPicPr>
+        <p:blipFill>
+          <a:blip r:embed="rId2"/>
+          <a:stretch>
+            <a:fillRect/>
+          </a:stretch>
+        </p:blipFill>
+        <p:spPr>
+          <a:xfrm>
+            <a:off x="213360" y="1114697"/>
+            <a:ext cx="5473664" cy="5743303"/>
+          </a:xfrm>
+          <a:prstGeom prst="rect">
+            <a:avLst/>
+          </a:prstGeom>
+        </p:spPr>
+      </p:pic>
+    </p:spTree>
+    <p:extLst>
+      <p:ext uri="{BB962C8B-B14F-4D97-AF65-F5344CB8AC3E}">
+        <p14:creationId xmlns:p14="http://schemas.microsoft.com/office/powerpoint/2010/main" val="8189513"/>
+      </p:ext>
+    </p:extLst>
+  </p:cSld>
+  <p:clrMapOvr>
+    <a:masterClrMapping/>
+  </p:clrMapOvr>
+</p:sld>
+</file>
+
+<file path=ppt/slides/slide44.xml><?xml version="1.0" encoding="utf-8"?>
+<p:sld xmlns:a="http://schemas.openxmlformats.org/drawingml/2006/main" xmlns:r="http://schemas.openxmlformats.org/officeDocument/2006/relationships" xmlns:p="http://schemas.openxmlformats.org/presentationml/2006/main">
+  <p:cSld>
+    <p:spTree>
+      <p:nvGrpSpPr>
+        <p:cNvPr id="1" name="">
+          <a:extLst>
+            <a:ext uri="{FF2B5EF4-FFF2-40B4-BE49-F238E27FC236}">
+              <a16:creationId xmlns:a16="http://schemas.microsoft.com/office/drawing/2014/main" id="{F20E0D59-0F74-3506-D230-3B6BB2D0366A}"/>
+            </a:ext>
+          </a:extLst>
+        </p:cNvPr>
+        <p:cNvGrpSpPr/>
+        <p:nvPr/>
+      </p:nvGrpSpPr>
+      <p:grpSpPr>
+        <a:xfrm>
+          <a:off x="0" y="0"/>
+          <a:ext cx="0" cy="0"/>
+          <a:chOff x="0" y="0"/>
+          <a:chExt cx="0" cy="0"/>
+        </a:xfrm>
+      </p:grpSpPr>
+      <p:sp>
+        <p:nvSpPr>
+          <p:cNvPr id="4" name="제목 1">
+            <a:extLst>
+              <a:ext uri="{FF2B5EF4-FFF2-40B4-BE49-F238E27FC236}">
+                <a16:creationId xmlns:a16="http://schemas.microsoft.com/office/drawing/2014/main" id="{C177EFD3-76E2-A56E-16FA-92AB38A10B37}"/>
+              </a:ext>
+            </a:extLst>
+          </p:cNvPr>
+          <p:cNvSpPr>
+            <a:spLocks noGrp="1"/>
+          </p:cNvSpPr>
+          <p:nvPr>
+            <p:ph type="title"/>
+          </p:nvPr>
+        </p:nvSpPr>
+        <p:spPr>
+          <a:xfrm>
+            <a:off x="213360" y="410845"/>
+            <a:ext cx="10515600" cy="777875"/>
+          </a:xfrm>
+        </p:spPr>
+        <p:txBody>
+          <a:bodyPr>
+            <a:normAutofit/>
+          </a:bodyPr>
+          <a:lstStyle/>
+          <a:p>
+            <a:r>
+              <a:rPr lang="en-US" altLang="ko-KR" dirty="0" err="1"/>
+              <a:t>PlayerController</a:t>
+            </a:r>
+            <a:endParaRPr lang="ko-KR" altLang="en-US" dirty="0"/>
+          </a:p>
+        </p:txBody>
+      </p:sp>
+      <p:pic>
+        <p:nvPicPr>
+          <p:cNvPr id="3" name="그림 2">
+            <a:extLst>
+              <a:ext uri="{FF2B5EF4-FFF2-40B4-BE49-F238E27FC236}">
+                <a16:creationId xmlns:a16="http://schemas.microsoft.com/office/drawing/2014/main" id="{60DC920F-D15B-725F-7CB3-073DE047BAB4}"/>
+              </a:ext>
+            </a:extLst>
+          </p:cNvPr>
+          <p:cNvPicPr>
+            <a:picLocks noChangeAspect="1"/>
+          </p:cNvPicPr>
+          <p:nvPr/>
+        </p:nvPicPr>
+        <p:blipFill>
+          <a:blip r:embed="rId2"/>
+          <a:stretch>
+            <a:fillRect/>
+          </a:stretch>
+        </p:blipFill>
+        <p:spPr>
+          <a:xfrm>
+            <a:off x="213361" y="1105988"/>
+            <a:ext cx="6307456" cy="5732417"/>
+          </a:xfrm>
+          <a:prstGeom prst="rect">
+            <a:avLst/>
+          </a:prstGeom>
+        </p:spPr>
+      </p:pic>
+    </p:spTree>
+    <p:extLst>
+      <p:ext uri="{BB962C8B-B14F-4D97-AF65-F5344CB8AC3E}">
+        <p14:creationId xmlns:p14="http://schemas.microsoft.com/office/powerpoint/2010/main" val="3859207476"/>
+      </p:ext>
+    </p:extLst>
+  </p:cSld>
+  <p:clrMapOvr>
+    <a:masterClrMapping/>
+  </p:clrMapOvr>
+</p:sld>
+</file>
+
+<file path=ppt/slides/slide45.xml><?xml version="1.0" encoding="utf-8"?>
+<p:sld xmlns:a="http://schemas.openxmlformats.org/drawingml/2006/main" xmlns:r="http://schemas.openxmlformats.org/officeDocument/2006/relationships" xmlns:p="http://schemas.openxmlformats.org/presentationml/2006/main">
+  <p:cSld>
+    <p:spTree>
+      <p:nvGrpSpPr>
+        <p:cNvPr id="1" name="">
+          <a:extLst>
+            <a:ext uri="{FF2B5EF4-FFF2-40B4-BE49-F238E27FC236}">
+              <a16:creationId xmlns:a16="http://schemas.microsoft.com/office/drawing/2014/main" id="{3834E916-040D-4AB7-BFD0-AEF6DB862890}"/>
+            </a:ext>
+          </a:extLst>
+        </p:cNvPr>
+        <p:cNvGrpSpPr/>
+        <p:nvPr/>
+      </p:nvGrpSpPr>
+      <p:grpSpPr>
+        <a:xfrm>
+          <a:off x="0" y="0"/>
+          <a:ext cx="0" cy="0"/>
+          <a:chOff x="0" y="0"/>
+          <a:chExt cx="0" cy="0"/>
+        </a:xfrm>
+      </p:grpSpPr>
+      <p:sp>
+        <p:nvSpPr>
+          <p:cNvPr id="4" name="제목 1">
+            <a:extLst>
+              <a:ext uri="{FF2B5EF4-FFF2-40B4-BE49-F238E27FC236}">
+                <a16:creationId xmlns:a16="http://schemas.microsoft.com/office/drawing/2014/main" id="{3E49C46F-E9FE-E2BD-C66A-4D2A12E7270A}"/>
+              </a:ext>
+            </a:extLst>
+          </p:cNvPr>
+          <p:cNvSpPr>
+            <a:spLocks noGrp="1"/>
+          </p:cNvSpPr>
+          <p:nvPr>
+            <p:ph type="title"/>
+          </p:nvPr>
+        </p:nvSpPr>
+        <p:spPr>
+          <a:xfrm>
+            <a:off x="213360" y="410845"/>
+            <a:ext cx="10515600" cy="777875"/>
+          </a:xfrm>
+        </p:spPr>
+        <p:txBody>
+          <a:bodyPr>
+            <a:normAutofit/>
+          </a:bodyPr>
+          <a:lstStyle/>
+          <a:p>
+            <a:r>
+              <a:rPr lang="en-US" altLang="ko-KR" dirty="0" err="1"/>
+              <a:t>BaseController</a:t>
+            </a:r>
+            <a:endParaRPr lang="ko-KR" altLang="en-US" dirty="0"/>
+          </a:p>
+        </p:txBody>
+      </p:sp>
+      <p:pic>
+        <p:nvPicPr>
+          <p:cNvPr id="5" name="그림 4">
+            <a:extLst>
+              <a:ext uri="{FF2B5EF4-FFF2-40B4-BE49-F238E27FC236}">
+                <a16:creationId xmlns:a16="http://schemas.microsoft.com/office/drawing/2014/main" id="{1D5AD7CB-F9A6-9192-12FF-317F48C8F640}"/>
+              </a:ext>
+            </a:extLst>
+          </p:cNvPr>
+          <p:cNvPicPr>
+            <a:picLocks noChangeAspect="1"/>
+          </p:cNvPicPr>
+          <p:nvPr/>
+        </p:nvPicPr>
+        <p:blipFill>
+          <a:blip r:embed="rId2"/>
+          <a:stretch>
+            <a:fillRect/>
+          </a:stretch>
+        </p:blipFill>
+        <p:spPr>
+          <a:xfrm>
+            <a:off x="213360" y="1188720"/>
+            <a:ext cx="4473817" cy="5669280"/>
+          </a:xfrm>
+          <a:prstGeom prst="rect">
+            <a:avLst/>
+          </a:prstGeom>
+        </p:spPr>
+      </p:pic>
+      <p:pic>
+        <p:nvPicPr>
+          <p:cNvPr id="9" name="그림 8">
+            <a:extLst>
+              <a:ext uri="{FF2B5EF4-FFF2-40B4-BE49-F238E27FC236}">
+                <a16:creationId xmlns:a16="http://schemas.microsoft.com/office/drawing/2014/main" id="{15DE51DC-B09A-282B-9797-875EEA11EAC3}"/>
+              </a:ext>
+            </a:extLst>
+          </p:cNvPr>
+          <p:cNvPicPr>
+            <a:picLocks noChangeAspect="1"/>
+          </p:cNvPicPr>
+          <p:nvPr/>
+        </p:nvPicPr>
+        <p:blipFill>
+          <a:blip r:embed="rId3"/>
+          <a:stretch>
+            <a:fillRect/>
+          </a:stretch>
+        </p:blipFill>
+        <p:spPr>
+          <a:xfrm>
+            <a:off x="4897838" y="984535"/>
+            <a:ext cx="6611273" cy="5010849"/>
+          </a:xfrm>
+          <a:prstGeom prst="rect">
+            <a:avLst/>
+          </a:prstGeom>
+        </p:spPr>
+      </p:pic>
+      <p:sp>
+        <p:nvSpPr>
+          <p:cNvPr id="10" name="직사각형 9">
+            <a:extLst>
+              <a:ext uri="{FF2B5EF4-FFF2-40B4-BE49-F238E27FC236}">
+                <a16:creationId xmlns:a16="http://schemas.microsoft.com/office/drawing/2014/main" id="{A872E116-D1A1-8FC7-EF45-7FCB61284185}"/>
+              </a:ext>
+            </a:extLst>
+          </p:cNvPr>
+          <p:cNvSpPr/>
+          <p:nvPr/>
+        </p:nvSpPr>
+        <p:spPr>
+          <a:xfrm>
+            <a:off x="6096000" y="3805646"/>
+            <a:ext cx="5242560" cy="2067819"/>
+          </a:xfrm>
+          <a:prstGeom prst="rect">
+            <a:avLst/>
+          </a:prstGeom>
+          <a:noFill/>
+          <a:ln>
+            <a:solidFill>
+              <a:srgbClr val="FF0000"/>
+            </a:solidFill>
+          </a:ln>
+        </p:spPr>
+        <p:style>
+          <a:lnRef idx="2">
+            <a:schemeClr val="accent1">
+              <a:shade val="15000"/>
+            </a:schemeClr>
+          </a:lnRef>
+          <a:fillRef idx="1">
+            <a:schemeClr val="accent1"/>
+          </a:fillRef>
+          <a:effectRef idx="0">
+            <a:schemeClr val="accent1"/>
+          </a:effectRef>
+          <a:fontRef idx="minor">
+            <a:schemeClr val="lt1"/>
+          </a:fontRef>
+        </p:style>
+        <p:txBody>
+          <a:bodyPr rtlCol="0" anchor="ctr"/>
+          <a:lstStyle/>
+          <a:p>
+            <a:pPr algn="ctr"/>
+            <a:endParaRPr lang="ko-KR" altLang="en-US"/>
+          </a:p>
+        </p:txBody>
+      </p:sp>
+    </p:spTree>
+    <p:extLst>
+      <p:ext uri="{BB962C8B-B14F-4D97-AF65-F5344CB8AC3E}">
+        <p14:creationId xmlns:p14="http://schemas.microsoft.com/office/powerpoint/2010/main" val="698955249"/>
+      </p:ext>
+    </p:extLst>
+  </p:cSld>
+  <p:clrMapOvr>
+    <a:masterClrMapping/>
+  </p:clrMapOvr>
+</p:sld>
+</file>
+
+<file path=ppt/slides/slide46.xml><?xml version="1.0" encoding="utf-8"?>
+<p:sld xmlns:a="http://schemas.openxmlformats.org/drawingml/2006/main" xmlns:r="http://schemas.openxmlformats.org/officeDocument/2006/relationships" xmlns:p="http://schemas.openxmlformats.org/presentationml/2006/main">
+  <p:cSld>
+    <p:spTree>
+      <p:nvGrpSpPr>
+        <p:cNvPr id="1" name="">
+          <a:extLst>
+            <a:ext uri="{FF2B5EF4-FFF2-40B4-BE49-F238E27FC236}">
+              <a16:creationId xmlns:a16="http://schemas.microsoft.com/office/drawing/2014/main" id="{0BDAD362-DE9E-FCC9-35E2-6417C323C8C9}"/>
+            </a:ext>
+          </a:extLst>
+        </p:cNvPr>
+        <p:cNvGrpSpPr/>
+        <p:nvPr/>
+      </p:nvGrpSpPr>
+      <p:grpSpPr>
+        <a:xfrm>
+          <a:off x="0" y="0"/>
+          <a:ext cx="0" cy="0"/>
+          <a:chOff x="0" y="0"/>
+          <a:chExt cx="0" cy="0"/>
+        </a:xfrm>
+      </p:grpSpPr>
+      <p:sp>
+        <p:nvSpPr>
+          <p:cNvPr id="4" name="제목 1">
+            <a:extLst>
+              <a:ext uri="{FF2B5EF4-FFF2-40B4-BE49-F238E27FC236}">
+                <a16:creationId xmlns:a16="http://schemas.microsoft.com/office/drawing/2014/main" id="{4FA7F668-1BC1-8D60-D414-A7026A24E869}"/>
+              </a:ext>
+            </a:extLst>
+          </p:cNvPr>
+          <p:cNvSpPr>
+            <a:spLocks noGrp="1"/>
+          </p:cNvSpPr>
+          <p:nvPr>
+            <p:ph type="title"/>
+          </p:nvPr>
+        </p:nvSpPr>
+        <p:spPr>
+          <a:xfrm>
+            <a:off x="213360" y="410845"/>
+            <a:ext cx="10515600" cy="777875"/>
+          </a:xfrm>
+        </p:spPr>
+        <p:txBody>
+          <a:bodyPr>
+            <a:normAutofit/>
+          </a:bodyPr>
+          <a:lstStyle/>
+          <a:p>
+            <a:r>
+              <a:rPr lang="en-US" altLang="ko-KR" dirty="0" err="1"/>
+              <a:t>BaseController</a:t>
+            </a:r>
+            <a:endParaRPr lang="ko-KR" altLang="en-US" dirty="0"/>
+          </a:p>
+        </p:txBody>
+      </p:sp>
+      <p:pic>
+        <p:nvPicPr>
+          <p:cNvPr id="7" name="그림 6">
+            <a:extLst>
+              <a:ext uri="{FF2B5EF4-FFF2-40B4-BE49-F238E27FC236}">
+                <a16:creationId xmlns:a16="http://schemas.microsoft.com/office/drawing/2014/main" id="{8D970D20-33C7-3626-A275-2D04CFB10075}"/>
+              </a:ext>
+            </a:extLst>
+          </p:cNvPr>
+          <p:cNvPicPr>
+            <a:picLocks noChangeAspect="1"/>
+          </p:cNvPicPr>
+          <p:nvPr/>
+        </p:nvPicPr>
+        <p:blipFill>
+          <a:blip r:embed="rId2"/>
+          <a:stretch>
+            <a:fillRect/>
+          </a:stretch>
+        </p:blipFill>
+        <p:spPr>
+          <a:xfrm>
+            <a:off x="213360" y="1188720"/>
+            <a:ext cx="4377717" cy="5669280"/>
+          </a:xfrm>
+          <a:prstGeom prst="rect">
+            <a:avLst/>
+          </a:prstGeom>
+        </p:spPr>
+      </p:pic>
+    </p:spTree>
+    <p:extLst>
+      <p:ext uri="{BB962C8B-B14F-4D97-AF65-F5344CB8AC3E}">
+        <p14:creationId xmlns:p14="http://schemas.microsoft.com/office/powerpoint/2010/main" val="1499952333"/>
+      </p:ext>
+    </p:extLst>
+  </p:cSld>
+  <p:clrMapOvr>
+    <a:masterClrMapping/>
+  </p:clrMapOvr>
+</p:sld>
+</file>
+
+<file path=ppt/slides/slide47.xml><?xml version="1.0" encoding="utf-8"?>
+<p:sld xmlns:a="http://schemas.openxmlformats.org/drawingml/2006/main" xmlns:r="http://schemas.openxmlformats.org/officeDocument/2006/relationships" xmlns:p="http://schemas.openxmlformats.org/presentationml/2006/main">
+  <p:cSld>
+    <p:spTree>
+      <p:nvGrpSpPr>
+        <p:cNvPr id="1" name="">
+          <a:extLst>
+            <a:ext uri="{FF2B5EF4-FFF2-40B4-BE49-F238E27FC236}">
+              <a16:creationId xmlns:a16="http://schemas.microsoft.com/office/drawing/2014/main" id="{66F1C240-4459-571D-5B67-EC693874E994}"/>
+            </a:ext>
+          </a:extLst>
+        </p:cNvPr>
+        <p:cNvGrpSpPr/>
+        <p:nvPr/>
+      </p:nvGrpSpPr>
+      <p:grpSpPr>
+        <a:xfrm>
+          <a:off x="0" y="0"/>
+          <a:ext cx="0" cy="0"/>
+          <a:chOff x="0" y="0"/>
+          <a:chExt cx="0" cy="0"/>
+        </a:xfrm>
+      </p:grpSpPr>
+      <p:sp>
+        <p:nvSpPr>
+          <p:cNvPr id="4" name="제목 1">
+            <a:extLst>
+              <a:ext uri="{FF2B5EF4-FFF2-40B4-BE49-F238E27FC236}">
+                <a16:creationId xmlns:a16="http://schemas.microsoft.com/office/drawing/2014/main" id="{28CFD15C-27CA-B838-FC9E-610499FA93DA}"/>
+              </a:ext>
+            </a:extLst>
+          </p:cNvPr>
+          <p:cNvSpPr>
+            <a:spLocks noGrp="1"/>
+          </p:cNvSpPr>
+          <p:nvPr>
+            <p:ph type="title"/>
+          </p:nvPr>
+        </p:nvSpPr>
+        <p:spPr>
+          <a:xfrm>
+            <a:off x="213360" y="410845"/>
+            <a:ext cx="10515600" cy="777875"/>
+          </a:xfrm>
+        </p:spPr>
+        <p:txBody>
+          <a:bodyPr>
+            <a:normAutofit/>
+          </a:bodyPr>
+          <a:lstStyle/>
+          <a:p>
+            <a:r>
+              <a:rPr lang="en-US" altLang="ko-KR" dirty="0"/>
+              <a:t>Server</a:t>
+            </a:r>
+            <a:endParaRPr lang="ko-KR" altLang="en-US" dirty="0"/>
+          </a:p>
+        </p:txBody>
+      </p:sp>
+      <p:pic>
+        <p:nvPicPr>
+          <p:cNvPr id="3" name="그림 2">
+            <a:extLst>
+              <a:ext uri="{FF2B5EF4-FFF2-40B4-BE49-F238E27FC236}">
+                <a16:creationId xmlns:a16="http://schemas.microsoft.com/office/drawing/2014/main" id="{7C966229-814B-C959-4FAB-E8EC19087BFD}"/>
+              </a:ext>
+            </a:extLst>
+          </p:cNvPr>
+          <p:cNvPicPr>
+            <a:picLocks noChangeAspect="1"/>
+          </p:cNvPicPr>
+          <p:nvPr/>
+        </p:nvPicPr>
+        <p:blipFill>
+          <a:blip r:embed="rId2"/>
+          <a:stretch>
+            <a:fillRect/>
+          </a:stretch>
+        </p:blipFill>
+        <p:spPr>
+          <a:xfrm>
+            <a:off x="213360" y="1188720"/>
+            <a:ext cx="7409374" cy="5398258"/>
+          </a:xfrm>
+          <a:prstGeom prst="rect">
+            <a:avLst/>
+          </a:prstGeom>
+        </p:spPr>
+      </p:pic>
+    </p:spTree>
+    <p:extLst>
+      <p:ext uri="{BB962C8B-B14F-4D97-AF65-F5344CB8AC3E}">
+        <p14:creationId xmlns:p14="http://schemas.microsoft.com/office/powerpoint/2010/main" val="1851546234"/>
+      </p:ext>
+    </p:extLst>
+  </p:cSld>
+  <p:clrMapOvr>
+    <a:masterClrMapping/>
+  </p:clrMapOvr>
+</p:sld>
+</file>
+
+<file path=ppt/slides/slide48.xml><?xml version="1.0" encoding="utf-8"?>
+<p:sld xmlns:a="http://schemas.openxmlformats.org/drawingml/2006/main" xmlns:r="http://schemas.openxmlformats.org/officeDocument/2006/relationships" xmlns:p="http://schemas.openxmlformats.org/presentationml/2006/main">
+  <p:cSld>
+    <p:spTree>
+      <p:nvGrpSpPr>
+        <p:cNvPr id="1" name="">
+          <a:extLst>
+            <a:ext uri="{FF2B5EF4-FFF2-40B4-BE49-F238E27FC236}">
+              <a16:creationId xmlns:a16="http://schemas.microsoft.com/office/drawing/2014/main" id="{0ADD9882-AE8D-DEAF-BC8C-1E4F5FF93E01}"/>
+            </a:ext>
+          </a:extLst>
+        </p:cNvPr>
+        <p:cNvGrpSpPr/>
+        <p:nvPr/>
+      </p:nvGrpSpPr>
+      <p:grpSpPr>
+        <a:xfrm>
+          <a:off x="0" y="0"/>
+          <a:ext cx="0" cy="0"/>
+          <a:chOff x="0" y="0"/>
+          <a:chExt cx="0" cy="0"/>
+        </a:xfrm>
+      </p:grpSpPr>
+      <p:sp>
+        <p:nvSpPr>
+          <p:cNvPr id="4" name="제목 1">
+            <a:extLst>
+              <a:ext uri="{FF2B5EF4-FFF2-40B4-BE49-F238E27FC236}">
+                <a16:creationId xmlns:a16="http://schemas.microsoft.com/office/drawing/2014/main" id="{2D00EDD4-8F1E-326C-24F2-3ADF5CE156E9}"/>
+              </a:ext>
+            </a:extLst>
+          </p:cNvPr>
+          <p:cNvSpPr>
+            <a:spLocks noGrp="1"/>
+          </p:cNvSpPr>
+          <p:nvPr>
+            <p:ph type="title"/>
+          </p:nvPr>
+        </p:nvSpPr>
+        <p:spPr>
+          <a:xfrm>
+            <a:off x="213360" y="410845"/>
+            <a:ext cx="10515600" cy="777875"/>
+          </a:xfrm>
+        </p:spPr>
+        <p:txBody>
+          <a:bodyPr>
+            <a:normAutofit/>
+          </a:bodyPr>
+          <a:lstStyle/>
+          <a:p>
+            <a:r>
+              <a:rPr lang="en-US" altLang="ko-KR" dirty="0"/>
+              <a:t>Server</a:t>
+            </a:r>
+            <a:endParaRPr lang="ko-KR" altLang="en-US" dirty="0"/>
+          </a:p>
+        </p:txBody>
+      </p:sp>
+      <p:pic>
+        <p:nvPicPr>
+          <p:cNvPr id="6" name="그림 5">
+            <a:extLst>
+              <a:ext uri="{FF2B5EF4-FFF2-40B4-BE49-F238E27FC236}">
+                <a16:creationId xmlns:a16="http://schemas.microsoft.com/office/drawing/2014/main" id="{AA86002D-A439-8E31-C1BE-8640FAC09B62}"/>
+              </a:ext>
+            </a:extLst>
+          </p:cNvPr>
+          <p:cNvPicPr>
+            <a:picLocks noChangeAspect="1"/>
+          </p:cNvPicPr>
+          <p:nvPr/>
+        </p:nvPicPr>
+        <p:blipFill>
+          <a:blip r:embed="rId2"/>
+          <a:stretch>
+            <a:fillRect/>
+          </a:stretch>
+        </p:blipFill>
+        <p:spPr>
+          <a:xfrm>
+            <a:off x="213360" y="1051560"/>
+            <a:ext cx="6412790" cy="5839097"/>
+          </a:xfrm>
+          <a:prstGeom prst="rect">
+            <a:avLst/>
+          </a:prstGeom>
+        </p:spPr>
+      </p:pic>
+    </p:spTree>
+    <p:extLst>
+      <p:ext uri="{BB962C8B-B14F-4D97-AF65-F5344CB8AC3E}">
+        <p14:creationId xmlns:p14="http://schemas.microsoft.com/office/powerpoint/2010/main" val="3100215059"/>
+      </p:ext>
+    </p:extLst>
+  </p:cSld>
+  <p:clrMapOvr>
+    <a:masterClrMapping/>
+  </p:clrMapOvr>
+</p:sld>
+</file>
+
+<file path=ppt/slides/slide49.xml><?xml version="1.0" encoding="utf-8"?>
+<p:sld xmlns:a="http://schemas.openxmlformats.org/drawingml/2006/main" xmlns:r="http://schemas.openxmlformats.org/officeDocument/2006/relationships" xmlns:p="http://schemas.openxmlformats.org/presentationml/2006/main">
+  <p:cSld>
+    <p:spTree>
+      <p:nvGrpSpPr>
+        <p:cNvPr id="1" name="">
+          <a:extLst>
+            <a:ext uri="{FF2B5EF4-FFF2-40B4-BE49-F238E27FC236}">
+              <a16:creationId xmlns:a16="http://schemas.microsoft.com/office/drawing/2014/main" id="{A0E368E4-33C0-1402-F0EE-E02A1315A27B}"/>
+            </a:ext>
+          </a:extLst>
+        </p:cNvPr>
+        <p:cNvGrpSpPr/>
+        <p:nvPr/>
+      </p:nvGrpSpPr>
+      <p:grpSpPr>
+        <a:xfrm>
+          <a:off x="0" y="0"/>
+          <a:ext cx="0" cy="0"/>
+          <a:chOff x="0" y="0"/>
+          <a:chExt cx="0" cy="0"/>
+        </a:xfrm>
+      </p:grpSpPr>
+      <p:sp>
+        <p:nvSpPr>
+          <p:cNvPr id="4" name="제목 1">
+            <a:extLst>
+              <a:ext uri="{FF2B5EF4-FFF2-40B4-BE49-F238E27FC236}">
+                <a16:creationId xmlns:a16="http://schemas.microsoft.com/office/drawing/2014/main" id="{96B385ED-2822-11B3-EC8B-0398266D8733}"/>
+              </a:ext>
+            </a:extLst>
+          </p:cNvPr>
+          <p:cNvSpPr>
+            <a:spLocks noGrp="1"/>
+          </p:cNvSpPr>
+          <p:nvPr>
+            <p:ph type="title"/>
+          </p:nvPr>
+        </p:nvSpPr>
+        <p:spPr>
+          <a:xfrm>
+            <a:off x="213360" y="410845"/>
+            <a:ext cx="10515600" cy="777875"/>
+          </a:xfrm>
+        </p:spPr>
+        <p:txBody>
+          <a:bodyPr>
+            <a:normAutofit/>
+          </a:bodyPr>
+          <a:lstStyle/>
+          <a:p>
+            <a:r>
+              <a:rPr lang="en-US" altLang="ko-KR" dirty="0"/>
+              <a:t>Client</a:t>
+            </a:r>
+            <a:endParaRPr lang="ko-KR" altLang="en-US" dirty="0"/>
+          </a:p>
+        </p:txBody>
+      </p:sp>
+      <p:pic>
+        <p:nvPicPr>
+          <p:cNvPr id="5" name="그림 4">
+            <a:extLst>
+              <a:ext uri="{FF2B5EF4-FFF2-40B4-BE49-F238E27FC236}">
+                <a16:creationId xmlns:a16="http://schemas.microsoft.com/office/drawing/2014/main" id="{D7EA5D66-A0D5-DC82-FAA7-700C0F991D57}"/>
+              </a:ext>
+            </a:extLst>
+          </p:cNvPr>
+          <p:cNvPicPr>
+            <a:picLocks noChangeAspect="1"/>
+          </p:cNvPicPr>
+          <p:nvPr/>
+        </p:nvPicPr>
+        <p:blipFill>
+          <a:blip r:embed="rId2"/>
+          <a:stretch>
+            <a:fillRect/>
+          </a:stretch>
+        </p:blipFill>
+        <p:spPr>
+          <a:xfrm>
+            <a:off x="204651" y="1188720"/>
+            <a:ext cx="8592749" cy="3572374"/>
+          </a:xfrm>
+          <a:prstGeom prst="rect">
+            <a:avLst/>
+          </a:prstGeom>
+        </p:spPr>
+      </p:pic>
+    </p:spTree>
+    <p:extLst>
+      <p:ext uri="{BB962C8B-B14F-4D97-AF65-F5344CB8AC3E}">
+        <p14:creationId xmlns:p14="http://schemas.microsoft.com/office/powerpoint/2010/main" val="3874717924"/>
       </p:ext>
     </p:extLst>
   </p:cSld>
@@ -13839,6 +16022,262 @@
     <p:extLst>
       <p:ext uri="{BB962C8B-B14F-4D97-AF65-F5344CB8AC3E}">
         <p14:creationId xmlns:p14="http://schemas.microsoft.com/office/powerpoint/2010/main" val="1877545992"/>
+      </p:ext>
+    </p:extLst>
+  </p:cSld>
+  <p:clrMapOvr>
+    <a:masterClrMapping/>
+  </p:clrMapOvr>
+</p:sld>
+</file>
+
+<file path=ppt/slides/slide50.xml><?xml version="1.0" encoding="utf-8"?>
+<p:sld xmlns:a="http://schemas.openxmlformats.org/drawingml/2006/main" xmlns:r="http://schemas.openxmlformats.org/officeDocument/2006/relationships" xmlns:p="http://schemas.openxmlformats.org/presentationml/2006/main">
+  <p:cSld>
+    <p:spTree>
+      <p:nvGrpSpPr>
+        <p:cNvPr id="1" name="">
+          <a:extLst>
+            <a:ext uri="{FF2B5EF4-FFF2-40B4-BE49-F238E27FC236}">
+              <a16:creationId xmlns:a16="http://schemas.microsoft.com/office/drawing/2014/main" id="{3BE45C05-1E32-23E6-2E0C-E178361B2A29}"/>
+            </a:ext>
+          </a:extLst>
+        </p:cNvPr>
+        <p:cNvGrpSpPr/>
+        <p:nvPr/>
+      </p:nvGrpSpPr>
+      <p:grpSpPr>
+        <a:xfrm>
+          <a:off x="0" y="0"/>
+          <a:ext cx="0" cy="0"/>
+          <a:chOff x="0" y="0"/>
+          <a:chExt cx="0" cy="0"/>
+        </a:xfrm>
+      </p:grpSpPr>
+      <p:sp>
+        <p:nvSpPr>
+          <p:cNvPr id="4" name="제목 1">
+            <a:extLst>
+              <a:ext uri="{FF2B5EF4-FFF2-40B4-BE49-F238E27FC236}">
+                <a16:creationId xmlns:a16="http://schemas.microsoft.com/office/drawing/2014/main" id="{05976A4C-520E-55C0-3E4A-967ADFCB057B}"/>
+              </a:ext>
+            </a:extLst>
+          </p:cNvPr>
+          <p:cNvSpPr>
+            <a:spLocks noGrp="1"/>
+          </p:cNvSpPr>
+          <p:nvPr>
+            <p:ph type="title"/>
+          </p:nvPr>
+        </p:nvSpPr>
+        <p:spPr>
+          <a:xfrm>
+            <a:off x="213360" y="410845"/>
+            <a:ext cx="10515600" cy="777875"/>
+          </a:xfrm>
+        </p:spPr>
+        <p:txBody>
+          <a:bodyPr>
+            <a:normAutofit/>
+          </a:bodyPr>
+          <a:lstStyle/>
+          <a:p>
+            <a:r>
+              <a:rPr lang="en-US" altLang="ko-KR" dirty="0"/>
+              <a:t>Client</a:t>
+            </a:r>
+            <a:endParaRPr lang="ko-KR" altLang="en-US" dirty="0"/>
+          </a:p>
+        </p:txBody>
+      </p:sp>
+      <p:pic>
+        <p:nvPicPr>
+          <p:cNvPr id="3" name="그림 2">
+            <a:extLst>
+              <a:ext uri="{FF2B5EF4-FFF2-40B4-BE49-F238E27FC236}">
+                <a16:creationId xmlns:a16="http://schemas.microsoft.com/office/drawing/2014/main" id="{E42C91AF-596A-9423-41DF-AE072BF04ECD}"/>
+              </a:ext>
+            </a:extLst>
+          </p:cNvPr>
+          <p:cNvPicPr>
+            <a:picLocks noChangeAspect="1"/>
+          </p:cNvPicPr>
+          <p:nvPr/>
+        </p:nvPicPr>
+        <p:blipFill>
+          <a:blip r:embed="rId2"/>
+          <a:stretch>
+            <a:fillRect/>
+          </a:stretch>
+        </p:blipFill>
+        <p:spPr>
+          <a:xfrm>
+            <a:off x="280390" y="1188720"/>
+            <a:ext cx="6389951" cy="5669280"/>
+          </a:xfrm>
+          <a:prstGeom prst="rect">
+            <a:avLst/>
+          </a:prstGeom>
+        </p:spPr>
+      </p:pic>
+      <p:sp>
+        <p:nvSpPr>
+          <p:cNvPr id="6" name="직사각형 5">
+            <a:extLst>
+              <a:ext uri="{FF2B5EF4-FFF2-40B4-BE49-F238E27FC236}">
+                <a16:creationId xmlns:a16="http://schemas.microsoft.com/office/drawing/2014/main" id="{E67342EF-07D0-A4A8-A7A1-4F602F4144FD}"/>
+              </a:ext>
+            </a:extLst>
+          </p:cNvPr>
+          <p:cNvSpPr/>
+          <p:nvPr/>
+        </p:nvSpPr>
+        <p:spPr>
+          <a:xfrm>
+            <a:off x="1201783" y="5164183"/>
+            <a:ext cx="1497874" cy="627017"/>
+          </a:xfrm>
+          <a:prstGeom prst="rect">
+            <a:avLst/>
+          </a:prstGeom>
+          <a:noFill/>
+          <a:ln>
+            <a:solidFill>
+              <a:srgbClr val="FF0000"/>
+            </a:solidFill>
+          </a:ln>
+        </p:spPr>
+        <p:style>
+          <a:lnRef idx="2">
+            <a:schemeClr val="accent1">
+              <a:shade val="15000"/>
+            </a:schemeClr>
+          </a:lnRef>
+          <a:fillRef idx="1">
+            <a:schemeClr val="accent1"/>
+          </a:fillRef>
+          <a:effectRef idx="0">
+            <a:schemeClr val="accent1"/>
+          </a:effectRef>
+          <a:fontRef idx="minor">
+            <a:schemeClr val="lt1"/>
+          </a:fontRef>
+        </p:style>
+        <p:txBody>
+          <a:bodyPr rtlCol="0" anchor="ctr"/>
+          <a:lstStyle/>
+          <a:p>
+            <a:pPr algn="ctr"/>
+            <a:endParaRPr lang="ko-KR" altLang="en-US"/>
+          </a:p>
+        </p:txBody>
+      </p:sp>
+    </p:spTree>
+    <p:extLst>
+      <p:ext uri="{BB962C8B-B14F-4D97-AF65-F5344CB8AC3E}">
+        <p14:creationId xmlns:p14="http://schemas.microsoft.com/office/powerpoint/2010/main" val="2104351446"/>
+      </p:ext>
+    </p:extLst>
+  </p:cSld>
+  <p:clrMapOvr>
+    <a:masterClrMapping/>
+  </p:clrMapOvr>
+</p:sld>
+</file>
+
+<file path=ppt/slides/slide51.xml><?xml version="1.0" encoding="utf-8"?>
+<p:sld xmlns:a="http://schemas.openxmlformats.org/drawingml/2006/main" xmlns:r="http://schemas.openxmlformats.org/officeDocument/2006/relationships" xmlns:p="http://schemas.openxmlformats.org/presentationml/2006/main">
+  <p:cSld>
+    <p:spTree>
+      <p:nvGrpSpPr>
+        <p:cNvPr id="1" name="">
+          <a:extLst>
+            <a:ext uri="{FF2B5EF4-FFF2-40B4-BE49-F238E27FC236}">
+              <a16:creationId xmlns:a16="http://schemas.microsoft.com/office/drawing/2014/main" id="{BC3C1208-9F4F-5720-12E0-7E1582545F0D}"/>
+            </a:ext>
+          </a:extLst>
+        </p:cNvPr>
+        <p:cNvGrpSpPr/>
+        <p:nvPr/>
+      </p:nvGrpSpPr>
+      <p:grpSpPr>
+        <a:xfrm>
+          <a:off x="0" y="0"/>
+          <a:ext cx="0" cy="0"/>
+          <a:chOff x="0" y="0"/>
+          <a:chExt cx="0" cy="0"/>
+        </a:xfrm>
+      </p:grpSpPr>
+      <p:sp>
+        <p:nvSpPr>
+          <p:cNvPr id="4" name="제목 1">
+            <a:extLst>
+              <a:ext uri="{FF2B5EF4-FFF2-40B4-BE49-F238E27FC236}">
+                <a16:creationId xmlns:a16="http://schemas.microsoft.com/office/drawing/2014/main" id="{A91146E6-D231-E980-86F8-B14D832E81D1}"/>
+              </a:ext>
+            </a:extLst>
+          </p:cNvPr>
+          <p:cNvSpPr>
+            <a:spLocks noGrp="1"/>
+          </p:cNvSpPr>
+          <p:nvPr>
+            <p:ph type="title"/>
+          </p:nvPr>
+        </p:nvSpPr>
+        <p:spPr>
+          <a:xfrm>
+            <a:off x="213360" y="410845"/>
+            <a:ext cx="10515600" cy="777875"/>
+          </a:xfrm>
+        </p:spPr>
+        <p:txBody>
+          <a:bodyPr>
+            <a:normAutofit/>
+          </a:bodyPr>
+          <a:lstStyle/>
+          <a:p>
+            <a:r>
+              <a:rPr lang="en-US" altLang="ko-KR" dirty="0" err="1"/>
+              <a:t>SocketPlayer</a:t>
+            </a:r>
+            <a:endParaRPr lang="ko-KR" altLang="en-US" dirty="0"/>
+          </a:p>
+        </p:txBody>
+      </p:sp>
+      <p:pic>
+        <p:nvPicPr>
+          <p:cNvPr id="8" name="그림 7">
+            <a:extLst>
+              <a:ext uri="{FF2B5EF4-FFF2-40B4-BE49-F238E27FC236}">
+                <a16:creationId xmlns:a16="http://schemas.microsoft.com/office/drawing/2014/main" id="{99345CA2-4FB6-B51A-74A6-16EF5929AA99}"/>
+              </a:ext>
+            </a:extLst>
+          </p:cNvPr>
+          <p:cNvPicPr>
+            <a:picLocks noChangeAspect="1"/>
+          </p:cNvPicPr>
+          <p:nvPr/>
+        </p:nvPicPr>
+        <p:blipFill>
+          <a:blip r:embed="rId2"/>
+          <a:stretch>
+            <a:fillRect/>
+          </a:stretch>
+        </p:blipFill>
+        <p:spPr>
+          <a:xfrm>
+            <a:off x="213360" y="1188720"/>
+            <a:ext cx="6601746" cy="5487166"/>
+          </a:xfrm>
+          <a:prstGeom prst="rect">
+            <a:avLst/>
+          </a:prstGeom>
+        </p:spPr>
+      </p:pic>
+    </p:spTree>
+    <p:extLst>
+      <p:ext uri="{BB962C8B-B14F-4D97-AF65-F5344CB8AC3E}">
+        <p14:creationId xmlns:p14="http://schemas.microsoft.com/office/powerpoint/2010/main" val="3931775238"/>
       </p:ext>
     </p:extLst>
   </p:cSld>
